--- a/HW3/機器學習需求文件.pptx
+++ b/HW3/機器學習需求文件.pptx
@@ -5,10 +5,10 @@
     <p:sldMasterId id="2147483660" r:id="rId4"/>
   </p:sldMasterIdLst>
   <p:notesMasterIdLst>
-    <p:notesMasterId r:id="rId12"/>
+    <p:notesMasterId r:id="rId17"/>
   </p:notesMasterIdLst>
   <p:handoutMasterIdLst>
-    <p:handoutMasterId r:id="rId13"/>
+    <p:handoutMasterId r:id="rId18"/>
   </p:handoutMasterIdLst>
   <p:sldIdLst>
     <p:sldId id="257" r:id="rId5"/>
@@ -18,6 +18,11 @@
     <p:sldId id="261" r:id="rId9"/>
     <p:sldId id="266" r:id="rId10"/>
     <p:sldId id="268" r:id="rId11"/>
+    <p:sldId id="269" r:id="rId12"/>
+    <p:sldId id="270" r:id="rId13"/>
+    <p:sldId id="272" r:id="rId14"/>
+    <p:sldId id="271" r:id="rId15"/>
+    <p:sldId id="273" r:id="rId16"/>
   </p:sldIdLst>
   <p:sldSz cx="12188825" cy="6858000"/>
   <p:notesSz cx="6858000" cy="9144000"/>
@@ -288,7 +293,7 @@
                 <a:latin typeface="細明體" panose="02020509000000000000" pitchFamily="49" charset="-120"/>
                 <a:ea typeface="細明體" panose="02020509000000000000" pitchFamily="49" charset="-120"/>
               </a:rPr>
-              <a:t>2019年10月8日</a:t>
+              <a:t>2019年10月13日</a:t>
             </a:fld>
             <a:endParaRPr dirty="0">
               <a:latin typeface="細明體" panose="02020509000000000000" pitchFamily="49" charset="-120"/>
@@ -474,7 +479,7 @@
             <a:fld id="{A0AFF6A3-05A2-43C9-BAC6-E7F777C40D60}" type="datetime2">
               <a:rPr lang="zh-TW" altLang="en-US" smtClean="0"/>
               <a:pPr/>
-              <a:t>2019年10月8日</a:t>
+              <a:t>2019年10月13日</a:t>
             </a:fld>
             <a:endParaRPr lang="zh-TW" altLang="en-US" dirty="0"/>
           </a:p>
@@ -1605,7 +1610,7 @@
             <a:fld id="{DF1CA1B2-0B65-48FF-A4EF-D52F44E0BC0E}" type="datetime2">
               <a:rPr lang="zh-TW" altLang="en-US" smtClean="0"/>
               <a:pPr/>
-              <a:t>2019年10月8日</a:t>
+              <a:t>2019年10月13日</a:t>
             </a:fld>
             <a:endParaRPr lang="en-US" dirty="0"/>
           </a:p>
@@ -1804,7 +1809,7 @@
             <a:fld id="{B690557D-BF90-4EAC-8435-FD0F2293EA9D}" type="datetime2">
               <a:rPr lang="zh-TW" altLang="en-US" smtClean="0"/>
               <a:pPr/>
-              <a:t>2019年10月8日</a:t>
+              <a:t>2019年10月13日</a:t>
             </a:fld>
             <a:endParaRPr lang="en-US" dirty="0"/>
           </a:p>
@@ -2008,7 +2013,7 @@
             <a:fld id="{3A06F219-A01D-46C2-AB8F-66850193113A}" type="datetime2">
               <a:rPr lang="zh-TW" altLang="en-US" smtClean="0"/>
               <a:pPr/>
-              <a:t>2019年10月8日</a:t>
+              <a:t>2019年10月13日</a:t>
             </a:fld>
             <a:endParaRPr lang="en-US" dirty="0"/>
           </a:p>
@@ -2202,7 +2207,7 @@
             <a:fld id="{C7B8F7E0-475E-4A4F-B251-AF4D4B9F823E}" type="datetime2">
               <a:rPr lang="zh-TW" altLang="en-US" smtClean="0"/>
               <a:pPr/>
-              <a:t>2019年10月8日</a:t>
+              <a:t>2019年10月13日</a:t>
             </a:fld>
             <a:endParaRPr lang="en-US" dirty="0"/>
           </a:p>
@@ -2480,7 +2485,7 @@
             <a:fld id="{FCD96140-6517-4429-8245-8048EFFD722F}" type="datetime2">
               <a:rPr lang="zh-TW" altLang="en-US" smtClean="0"/>
               <a:pPr/>
-              <a:t>2019年10月8日</a:t>
+              <a:t>2019年10月13日</a:t>
             </a:fld>
             <a:endParaRPr lang="en-US" dirty="0"/>
           </a:p>
@@ -2796,7 +2801,7 @@
             <a:fld id="{4A214E14-FC91-4A98-BE2C-45A91C87CABA}" type="datetime2">
               <a:rPr lang="zh-TW" altLang="en-US" smtClean="0"/>
               <a:pPr/>
-              <a:t>2019年10月8日</a:t>
+              <a:t>2019年10月13日</a:t>
             </a:fld>
             <a:endParaRPr lang="en-US" dirty="0"/>
           </a:p>
@@ -3261,7 +3266,7 @@
             <a:fld id="{0290FCD0-1450-4EF5-9EB6-93838DB68598}" type="datetime2">
               <a:rPr lang="zh-TW" altLang="en-US" smtClean="0"/>
               <a:pPr/>
-              <a:t>2019年10月8日</a:t>
+              <a:t>2019年10月13日</a:t>
             </a:fld>
             <a:endParaRPr lang="en-US" dirty="0"/>
           </a:p>
@@ -3403,7 +3408,7 @@
             <a:fld id="{73F19C76-1DF4-4157-8E83-99CDD7C5813A}" type="datetime2">
               <a:rPr lang="zh-TW" altLang="en-US" smtClean="0"/>
               <a:pPr/>
-              <a:t>2019年10月8日</a:t>
+              <a:t>2019年10月13日</a:t>
             </a:fld>
             <a:endParaRPr lang="en-US" dirty="0"/>
           </a:p>
@@ -3521,7 +3526,7 @@
             <a:fld id="{D40150BE-B45A-4071-8F2D-10F115658B39}" type="datetime2">
               <a:rPr lang="zh-TW" altLang="en-US" smtClean="0"/>
               <a:pPr/>
-              <a:t>2019年10月8日</a:t>
+              <a:t>2019年10月13日</a:t>
             </a:fld>
             <a:endParaRPr lang="en-US" dirty="0"/>
           </a:p>
@@ -3844,7 +3849,7 @@
             <a:fld id="{EDB22753-B0A9-4CCB-8874-8C3403729D00}" type="datetime2">
               <a:rPr lang="zh-TW" altLang="en-US" smtClean="0"/>
               <a:pPr/>
-              <a:t>2019年10月8日</a:t>
+              <a:t>2019年10月13日</a:t>
             </a:fld>
             <a:endParaRPr lang="en-US" dirty="0"/>
           </a:p>
@@ -4331,7 +4336,7 @@
             <a:fld id="{BD8E3081-8997-4FCC-AA9C-554AF3E1C629}" type="datetime2">
               <a:rPr lang="zh-TW" altLang="en-US" smtClean="0"/>
               <a:pPr/>
-              <a:t>2019年10月8日</a:t>
+              <a:t>2019年10月13日</a:t>
             </a:fld>
             <a:endParaRPr lang="en-US" dirty="0"/>
           </a:p>
@@ -4789,11 +4794,6 @@
               </a:rPr>
               <a:t>作</a:t>
             </a:r>
-            <a:endParaRPr lang="zh-TW" altLang="en-US" dirty="0">
-              <a:latin typeface="Times New Roman" panose="02020603050405020304" pitchFamily="18" charset="0"/>
-              <a:ea typeface="標楷體" panose="03000509000000000000" pitchFamily="65" charset="-120"/>
-              <a:cs typeface="Times New Roman" panose="02020603050405020304" pitchFamily="18" charset="0"/>
-            </a:endParaRPr>
           </a:p>
         </p:txBody>
       </p:sp>
@@ -4851,15 +4851,7 @@
                 <a:ea typeface="標楷體" panose="03000509000000000000" pitchFamily="65" charset="-120"/>
                 <a:cs typeface="Times New Roman" panose="02020603050405020304" pitchFamily="18" charset="0"/>
               </a:rPr>
-              <a:t> </a:t>
-            </a:r>
-            <a:r>
-              <a:rPr lang="zh-TW" altLang="en-US" dirty="0" smtClean="0">
-                <a:latin typeface="Times New Roman" panose="02020603050405020304" pitchFamily="18" charset="0"/>
-                <a:ea typeface="標楷體" panose="03000509000000000000" pitchFamily="65" charset="-120"/>
-                <a:cs typeface="Times New Roman" panose="02020603050405020304" pitchFamily="18" charset="0"/>
-              </a:rPr>
-              <a:t>教授</a:t>
+              <a:t> 教授</a:t>
             </a:r>
             <a:endParaRPr lang="en-US" altLang="zh-TW" dirty="0" smtClean="0">
               <a:latin typeface="Times New Roman" panose="02020603050405020304" pitchFamily="18" charset="0"/>
@@ -4973,6 +4965,875 @@
 </p:sld>
 </file>
 
+<file path=ppt/slides/slide10.xml><?xml version="1.0" encoding="utf-8"?>
+<p:sld xmlns:a="http://schemas.openxmlformats.org/drawingml/2006/main" xmlns:r="http://schemas.openxmlformats.org/officeDocument/2006/relationships" xmlns:p="http://schemas.openxmlformats.org/presentationml/2006/main">
+  <p:cSld>
+    <p:spTree>
+      <p:nvGrpSpPr>
+        <p:cNvPr id="1" name=""/>
+        <p:cNvGrpSpPr/>
+        <p:nvPr/>
+      </p:nvGrpSpPr>
+      <p:grpSpPr>
+        <a:xfrm>
+          <a:off x="0" y="0"/>
+          <a:ext cx="0" cy="0"/>
+          <a:chOff x="0" y="0"/>
+          <a:chExt cx="0" cy="0"/>
+        </a:xfrm>
+      </p:grpSpPr>
+      <p:pic>
+        <p:nvPicPr>
+          <p:cNvPr id="4" name="內容版面配置區 3"/>
+          <p:cNvPicPr>
+            <a:picLocks noGrp="1" noChangeAspect="1"/>
+          </p:cNvPicPr>
+          <p:nvPr>
+            <p:ph idx="1"/>
+          </p:nvPr>
+        </p:nvPicPr>
+        <p:blipFill>
+          <a:blip r:embed="rId2">
+            <a:extLst>
+              <a:ext uri="{28A0092B-C50C-407E-A947-70E740481C1C}">
+                <a14:useLocalDpi xmlns:a14="http://schemas.microsoft.com/office/drawing/2010/main" val="0"/>
+              </a:ext>
+            </a:extLst>
+          </a:blip>
+          <a:stretch>
+            <a:fillRect/>
+          </a:stretch>
+        </p:blipFill>
+        <p:spPr>
+          <a:xfrm>
+            <a:off x="2602923" y="1828800"/>
+            <a:ext cx="5611380" cy="4191000"/>
+          </a:xfrm>
+        </p:spPr>
+      </p:pic>
+      <p:sp>
+        <p:nvSpPr>
+          <p:cNvPr id="2" name="標題 1"/>
+          <p:cNvSpPr>
+            <a:spLocks noGrp="1"/>
+          </p:cNvSpPr>
+          <p:nvPr>
+            <p:ph type="title"/>
+          </p:nvPr>
+        </p:nvSpPr>
+        <p:spPr/>
+        <p:txBody>
+          <a:bodyPr/>
+          <a:lstStyle/>
+          <a:p>
+            <a:r>
+              <a:rPr lang="zh-TW" altLang="en-US" dirty="0" smtClean="0">
+                <a:latin typeface="Times New Roman" panose="02020603050405020304" pitchFamily="18" charset="0"/>
+                <a:ea typeface="標楷體" panose="03000509000000000000" pitchFamily="65" charset="-120"/>
+                <a:cs typeface="Times New Roman" panose="02020603050405020304" pitchFamily="18" charset="0"/>
+              </a:rPr>
+              <a:t>資料視覺化</a:t>
+            </a:r>
+            <a:endParaRPr lang="zh-TW" altLang="en-US" dirty="0"/>
+          </a:p>
+        </p:txBody>
+      </p:sp>
+      <p:sp>
+        <p:nvSpPr>
+          <p:cNvPr id="6" name="文字方塊 5"/>
+          <p:cNvSpPr txBox="1"/>
+          <p:nvPr/>
+        </p:nvSpPr>
+        <p:spPr>
+          <a:xfrm>
+            <a:off x="4401926" y="1700808"/>
+            <a:ext cx="1928413" cy="461665"/>
+          </a:xfrm>
+          <a:prstGeom prst="rect">
+            <a:avLst/>
+          </a:prstGeom>
+          <a:noFill/>
+          <a:ln>
+            <a:noFill/>
+          </a:ln>
+        </p:spPr>
+        <p:txBody>
+          <a:bodyPr wrap="none" rtlCol="0" anchor="ctr" anchorCtr="1">
+            <a:spAutoFit/>
+          </a:bodyPr>
+          <a:lstStyle/>
+          <a:p>
+            <a:pPr marL="45720"/>
+            <a:r>
+              <a:rPr lang="en-US" altLang="zh-TW" sz="2400" dirty="0" smtClean="0">
+                <a:solidFill>
+                  <a:srgbClr val="00B050"/>
+                </a:solidFill>
+                <a:latin typeface="Times New Roman" panose="02020603050405020304" pitchFamily="18" charset="0"/>
+                <a:ea typeface="標楷體" panose="03000509000000000000" pitchFamily="65" charset="-120"/>
+                <a:cs typeface="Times New Roman" panose="02020603050405020304" pitchFamily="18" charset="0"/>
+              </a:rPr>
+              <a:t>Al .pickle file</a:t>
+            </a:r>
+            <a:endParaRPr lang="en-US" altLang="zh-TW" sz="2400" dirty="0">
+              <a:solidFill>
+                <a:srgbClr val="00B050"/>
+              </a:solidFill>
+              <a:latin typeface="Times New Roman" panose="02020603050405020304" pitchFamily="18" charset="0"/>
+              <a:ea typeface="標楷體" panose="03000509000000000000" pitchFamily="65" charset="-120"/>
+              <a:cs typeface="Times New Roman" panose="02020603050405020304" pitchFamily="18" charset="0"/>
+            </a:endParaRPr>
+          </a:p>
+        </p:txBody>
+      </p:sp>
+      <p:sp>
+        <p:nvSpPr>
+          <p:cNvPr id="7" name="文字方塊 6"/>
+          <p:cNvSpPr txBox="1"/>
+          <p:nvPr/>
+        </p:nvSpPr>
+        <p:spPr>
+          <a:xfrm>
+            <a:off x="6598468" y="5772914"/>
+            <a:ext cx="1154162" cy="461665"/>
+          </a:xfrm>
+          <a:prstGeom prst="rect">
+            <a:avLst/>
+          </a:prstGeom>
+          <a:noFill/>
+          <a:ln>
+            <a:noFill/>
+          </a:ln>
+        </p:spPr>
+        <p:txBody>
+          <a:bodyPr wrap="none" rtlCol="0" anchor="ctr" anchorCtr="1">
+            <a:spAutoFit/>
+          </a:bodyPr>
+          <a:lstStyle/>
+          <a:p>
+            <a:pPr marL="45720"/>
+            <a:r>
+              <a:rPr lang="zh-TW" altLang="en-US" sz="2400" dirty="0" smtClean="0">
+                <a:solidFill>
+                  <a:srgbClr val="FF0000"/>
+                </a:solidFill>
+                <a:latin typeface="Times New Roman" panose="02020603050405020304" pitchFamily="18" charset="0"/>
+                <a:ea typeface="標楷體" panose="03000509000000000000" pitchFamily="65" charset="-120"/>
+                <a:cs typeface="Times New Roman" panose="02020603050405020304" pitchFamily="18" charset="0"/>
+              </a:rPr>
+              <a:t>時間</a:t>
+            </a:r>
+            <a:r>
+              <a:rPr lang="zh-TW" altLang="en-US" sz="2400" dirty="0">
+                <a:solidFill>
+                  <a:srgbClr val="FF0000"/>
+                </a:solidFill>
+                <a:latin typeface="Times New Roman" panose="02020603050405020304" pitchFamily="18" charset="0"/>
+                <a:ea typeface="標楷體" panose="03000509000000000000" pitchFamily="65" charset="-120"/>
+                <a:cs typeface="Times New Roman" panose="02020603050405020304" pitchFamily="18" charset="0"/>
+              </a:rPr>
+              <a:t>序</a:t>
+            </a:r>
+            <a:endParaRPr lang="en-US" altLang="zh-TW" sz="2400" dirty="0">
+              <a:solidFill>
+                <a:srgbClr val="FF0000"/>
+              </a:solidFill>
+              <a:latin typeface="Times New Roman" panose="02020603050405020304" pitchFamily="18" charset="0"/>
+              <a:ea typeface="標楷體" panose="03000509000000000000" pitchFamily="65" charset="-120"/>
+              <a:cs typeface="Times New Roman" panose="02020603050405020304" pitchFamily="18" charset="0"/>
+            </a:endParaRPr>
+          </a:p>
+        </p:txBody>
+      </p:sp>
+      <p:sp>
+        <p:nvSpPr>
+          <p:cNvPr id="9" name="文字方塊 8"/>
+          <p:cNvSpPr txBox="1"/>
+          <p:nvPr/>
+        </p:nvSpPr>
+        <p:spPr>
+          <a:xfrm>
+            <a:off x="1413892" y="2204864"/>
+            <a:ext cx="1615827" cy="461665"/>
+          </a:xfrm>
+          <a:prstGeom prst="rect">
+            <a:avLst/>
+          </a:prstGeom>
+          <a:noFill/>
+          <a:ln>
+            <a:noFill/>
+          </a:ln>
+        </p:spPr>
+        <p:txBody>
+          <a:bodyPr wrap="none" rtlCol="0" anchor="ctr" anchorCtr="1">
+            <a:spAutoFit/>
+          </a:bodyPr>
+          <a:lstStyle/>
+          <a:p>
+            <a:pPr marL="45720"/>
+            <a:r>
+              <a:rPr lang="zh-TW" altLang="en-US" sz="2400" dirty="0" smtClean="0">
+                <a:solidFill>
+                  <a:srgbClr val="FF0000"/>
+                </a:solidFill>
+                <a:latin typeface="Times New Roman" panose="02020603050405020304" pitchFamily="18" charset="0"/>
+                <a:ea typeface="標楷體" panose="03000509000000000000" pitchFamily="65" charset="-120"/>
+                <a:cs typeface="Times New Roman" panose="02020603050405020304" pitchFamily="18" charset="0"/>
+              </a:rPr>
+              <a:t>底板</a:t>
+            </a:r>
+            <a:r>
+              <a:rPr lang="en-US" altLang="zh-TW" sz="2400" dirty="0" smtClean="0">
+                <a:solidFill>
+                  <a:srgbClr val="FF0000"/>
+                </a:solidFill>
+                <a:latin typeface="Times New Roman" panose="02020603050405020304" pitchFamily="18" charset="0"/>
+                <a:ea typeface="標楷體" panose="03000509000000000000" pitchFamily="65" charset="-120"/>
+                <a:cs typeface="Times New Roman" panose="02020603050405020304" pitchFamily="18" charset="0"/>
+              </a:rPr>
+              <a:t>x</a:t>
+            </a:r>
+            <a:r>
+              <a:rPr lang="zh-TW" altLang="en-US" sz="2400" dirty="0" smtClean="0">
+                <a:solidFill>
+                  <a:srgbClr val="FF0000"/>
+                </a:solidFill>
+                <a:latin typeface="Times New Roman" panose="02020603050405020304" pitchFamily="18" charset="0"/>
+                <a:ea typeface="標楷體" panose="03000509000000000000" pitchFamily="65" charset="-120"/>
+                <a:cs typeface="Times New Roman" panose="02020603050405020304" pitchFamily="18" charset="0"/>
+              </a:rPr>
+              <a:t>座標</a:t>
+            </a:r>
+            <a:endParaRPr lang="en-US" altLang="zh-TW" sz="2400" dirty="0">
+              <a:solidFill>
+                <a:srgbClr val="FF0000"/>
+              </a:solidFill>
+              <a:latin typeface="Times New Roman" panose="02020603050405020304" pitchFamily="18" charset="0"/>
+              <a:ea typeface="標楷體" panose="03000509000000000000" pitchFamily="65" charset="-120"/>
+              <a:cs typeface="Times New Roman" panose="02020603050405020304" pitchFamily="18" charset="0"/>
+            </a:endParaRPr>
+          </a:p>
+        </p:txBody>
+      </p:sp>
+    </p:spTree>
+    <p:extLst>
+      <p:ext uri="{BB962C8B-B14F-4D97-AF65-F5344CB8AC3E}">
+        <p14:creationId xmlns:p14="http://schemas.microsoft.com/office/powerpoint/2010/main" val="1594531644"/>
+      </p:ext>
+    </p:extLst>
+  </p:cSld>
+  <p:clrMapOvr>
+    <a:masterClrMapping/>
+  </p:clrMapOvr>
+  <mc:AlternateContent xmlns:mc="http://schemas.openxmlformats.org/markup-compatibility/2006" xmlns:p14="http://schemas.microsoft.com/office/powerpoint/2010/main">
+    <mc:Choice Requires="p14">
+      <p:transition spd="med" p14:dur="700">
+        <p:fade/>
+      </p:transition>
+    </mc:Choice>
+    <mc:Fallback xmlns="">
+      <p:transition spd="med">
+        <p:fade/>
+      </p:transition>
+    </mc:Fallback>
+  </mc:AlternateContent>
+</p:sld>
+</file>
+
+<file path=ppt/slides/slide11.xml><?xml version="1.0" encoding="utf-8"?>
+<p:sld xmlns:a="http://schemas.openxmlformats.org/drawingml/2006/main" xmlns:r="http://schemas.openxmlformats.org/officeDocument/2006/relationships" xmlns:p="http://schemas.openxmlformats.org/presentationml/2006/main">
+  <p:cSld>
+    <p:spTree>
+      <p:nvGrpSpPr>
+        <p:cNvPr id="1" name=""/>
+        <p:cNvGrpSpPr/>
+        <p:nvPr/>
+      </p:nvGrpSpPr>
+      <p:grpSpPr>
+        <a:xfrm>
+          <a:off x="0" y="0"/>
+          <a:ext cx="0" cy="0"/>
+          <a:chOff x="0" y="0"/>
+          <a:chExt cx="0" cy="0"/>
+        </a:xfrm>
+      </p:grpSpPr>
+      <p:pic>
+        <p:nvPicPr>
+          <p:cNvPr id="10" name="內容版面配置區 9"/>
+          <p:cNvPicPr>
+            <a:picLocks noGrp="1" noChangeAspect="1"/>
+          </p:cNvPicPr>
+          <p:nvPr>
+            <p:ph idx="1"/>
+          </p:nvPr>
+        </p:nvPicPr>
+        <p:blipFill>
+          <a:blip r:embed="rId2">
+            <a:extLst>
+              <a:ext uri="{28A0092B-C50C-407E-A947-70E740481C1C}">
+                <a14:useLocalDpi xmlns:a14="http://schemas.microsoft.com/office/drawing/2010/main" val="0"/>
+              </a:ext>
+            </a:extLst>
+          </a:blip>
+          <a:stretch>
+            <a:fillRect/>
+          </a:stretch>
+        </p:blipFill>
+        <p:spPr>
+          <a:xfrm>
+            <a:off x="2602923" y="1828800"/>
+            <a:ext cx="5611380" cy="4191000"/>
+          </a:xfrm>
+        </p:spPr>
+      </p:pic>
+      <p:sp>
+        <p:nvSpPr>
+          <p:cNvPr id="2" name="標題 1"/>
+          <p:cNvSpPr>
+            <a:spLocks noGrp="1"/>
+          </p:cNvSpPr>
+          <p:nvPr>
+            <p:ph type="title"/>
+          </p:nvPr>
+        </p:nvSpPr>
+        <p:spPr/>
+        <p:txBody>
+          <a:bodyPr/>
+          <a:lstStyle/>
+          <a:p>
+            <a:r>
+              <a:rPr lang="zh-TW" altLang="en-US" dirty="0" smtClean="0">
+                <a:latin typeface="Times New Roman" panose="02020603050405020304" pitchFamily="18" charset="0"/>
+                <a:ea typeface="標楷體" panose="03000509000000000000" pitchFamily="65" charset="-120"/>
+                <a:cs typeface="Times New Roman" panose="02020603050405020304" pitchFamily="18" charset="0"/>
+              </a:rPr>
+              <a:t>資料視覺化</a:t>
+            </a:r>
+            <a:endParaRPr lang="zh-TW" altLang="en-US" dirty="0"/>
+          </a:p>
+        </p:txBody>
+      </p:sp>
+      <p:sp>
+        <p:nvSpPr>
+          <p:cNvPr id="6" name="文字方塊 5"/>
+          <p:cNvSpPr txBox="1"/>
+          <p:nvPr/>
+        </p:nvSpPr>
+        <p:spPr>
+          <a:xfrm>
+            <a:off x="4401926" y="1700808"/>
+            <a:ext cx="2013372" cy="461665"/>
+          </a:xfrm>
+          <a:prstGeom prst="rect">
+            <a:avLst/>
+          </a:prstGeom>
+          <a:noFill/>
+          <a:ln>
+            <a:noFill/>
+          </a:ln>
+        </p:spPr>
+        <p:txBody>
+          <a:bodyPr wrap="none" rtlCol="0" anchor="ctr" anchorCtr="1">
+            <a:spAutoFit/>
+          </a:bodyPr>
+          <a:lstStyle/>
+          <a:p>
+            <a:pPr marL="45720"/>
+            <a:r>
+              <a:rPr lang="en-US" altLang="zh-TW" sz="2400" dirty="0" smtClean="0">
+                <a:solidFill>
+                  <a:srgbClr val="00B050"/>
+                </a:solidFill>
+                <a:latin typeface="Times New Roman" panose="02020603050405020304" pitchFamily="18" charset="0"/>
+                <a:ea typeface="標楷體" panose="03000509000000000000" pitchFamily="65" charset="-120"/>
+                <a:cs typeface="Times New Roman" panose="02020603050405020304" pitchFamily="18" charset="0"/>
+              </a:rPr>
+              <a:t>All</a:t>
+            </a:r>
+            <a:r>
+              <a:rPr lang="en-US" altLang="zh-TW" sz="2400" dirty="0" smtClean="0">
+                <a:solidFill>
+                  <a:srgbClr val="00B050"/>
+                </a:solidFill>
+                <a:latin typeface="Times New Roman" panose="02020603050405020304" pitchFamily="18" charset="0"/>
+                <a:ea typeface="標楷體" panose="03000509000000000000" pitchFamily="65" charset="-120"/>
+                <a:cs typeface="Times New Roman" panose="02020603050405020304" pitchFamily="18" charset="0"/>
+              </a:rPr>
+              <a:t> .pickle file</a:t>
+            </a:r>
+            <a:endParaRPr lang="en-US" altLang="zh-TW" sz="2400" dirty="0">
+              <a:solidFill>
+                <a:srgbClr val="00B050"/>
+              </a:solidFill>
+              <a:latin typeface="Times New Roman" panose="02020603050405020304" pitchFamily="18" charset="0"/>
+              <a:ea typeface="標楷體" panose="03000509000000000000" pitchFamily="65" charset="-120"/>
+              <a:cs typeface="Times New Roman" panose="02020603050405020304" pitchFamily="18" charset="0"/>
+            </a:endParaRPr>
+          </a:p>
+        </p:txBody>
+      </p:sp>
+      <p:sp>
+        <p:nvSpPr>
+          <p:cNvPr id="11" name="文字方塊 10"/>
+          <p:cNvSpPr txBox="1"/>
+          <p:nvPr/>
+        </p:nvSpPr>
+        <p:spPr>
+          <a:xfrm>
+            <a:off x="1701924" y="2162473"/>
+            <a:ext cx="1308050" cy="461665"/>
+          </a:xfrm>
+          <a:prstGeom prst="rect">
+            <a:avLst/>
+          </a:prstGeom>
+          <a:noFill/>
+          <a:ln>
+            <a:noFill/>
+          </a:ln>
+        </p:spPr>
+        <p:txBody>
+          <a:bodyPr wrap="none" rtlCol="0" anchor="ctr" anchorCtr="1">
+            <a:spAutoFit/>
+          </a:bodyPr>
+          <a:lstStyle/>
+          <a:p>
+            <a:pPr marL="45720"/>
+            <a:r>
+              <a:rPr lang="zh-TW" altLang="en-US" sz="2400" dirty="0" smtClean="0">
+                <a:solidFill>
+                  <a:srgbClr val="FF0000"/>
+                </a:solidFill>
+                <a:latin typeface="Times New Roman" panose="02020603050405020304" pitchFamily="18" charset="0"/>
+                <a:ea typeface="標楷體" panose="03000509000000000000" pitchFamily="65" charset="-120"/>
+                <a:cs typeface="Times New Roman" panose="02020603050405020304" pitchFamily="18" charset="0"/>
+              </a:rPr>
+              <a:t>球</a:t>
+            </a:r>
+            <a:r>
+              <a:rPr lang="en-US" altLang="zh-TW" sz="2400" dirty="0" smtClean="0">
+                <a:solidFill>
+                  <a:srgbClr val="FF0000"/>
+                </a:solidFill>
+                <a:latin typeface="Times New Roman" panose="02020603050405020304" pitchFamily="18" charset="0"/>
+                <a:ea typeface="標楷體" panose="03000509000000000000" pitchFamily="65" charset="-120"/>
+                <a:cs typeface="Times New Roman" panose="02020603050405020304" pitchFamily="18" charset="0"/>
+              </a:rPr>
+              <a:t>x</a:t>
+            </a:r>
+            <a:r>
+              <a:rPr lang="zh-TW" altLang="en-US" sz="2400" dirty="0" smtClean="0">
+                <a:solidFill>
+                  <a:srgbClr val="FF0000"/>
+                </a:solidFill>
+                <a:latin typeface="Times New Roman" panose="02020603050405020304" pitchFamily="18" charset="0"/>
+                <a:ea typeface="標楷體" panose="03000509000000000000" pitchFamily="65" charset="-120"/>
+                <a:cs typeface="Times New Roman" panose="02020603050405020304" pitchFamily="18" charset="0"/>
+              </a:rPr>
+              <a:t>座標</a:t>
+            </a:r>
+            <a:endParaRPr lang="en-US" altLang="zh-TW" sz="2400" dirty="0">
+              <a:solidFill>
+                <a:srgbClr val="FF0000"/>
+              </a:solidFill>
+              <a:latin typeface="Times New Roman" panose="02020603050405020304" pitchFamily="18" charset="0"/>
+              <a:ea typeface="標楷體" panose="03000509000000000000" pitchFamily="65" charset="-120"/>
+              <a:cs typeface="Times New Roman" panose="02020603050405020304" pitchFamily="18" charset="0"/>
+            </a:endParaRPr>
+          </a:p>
+        </p:txBody>
+      </p:sp>
+      <p:sp>
+        <p:nvSpPr>
+          <p:cNvPr id="12" name="文字方塊 11"/>
+          <p:cNvSpPr txBox="1"/>
+          <p:nvPr/>
+        </p:nvSpPr>
+        <p:spPr>
+          <a:xfrm>
+            <a:off x="6238428" y="5738618"/>
+            <a:ext cx="1615827" cy="461665"/>
+          </a:xfrm>
+          <a:prstGeom prst="rect">
+            <a:avLst/>
+          </a:prstGeom>
+          <a:noFill/>
+          <a:ln>
+            <a:noFill/>
+          </a:ln>
+        </p:spPr>
+        <p:txBody>
+          <a:bodyPr wrap="none" rtlCol="0" anchor="ctr" anchorCtr="1">
+            <a:spAutoFit/>
+          </a:bodyPr>
+          <a:lstStyle/>
+          <a:p>
+            <a:pPr marL="45720"/>
+            <a:r>
+              <a:rPr lang="zh-TW" altLang="en-US" sz="2400" dirty="0" smtClean="0">
+                <a:solidFill>
+                  <a:srgbClr val="FF0000"/>
+                </a:solidFill>
+                <a:latin typeface="Times New Roman" panose="02020603050405020304" pitchFamily="18" charset="0"/>
+                <a:ea typeface="標楷體" panose="03000509000000000000" pitchFamily="65" charset="-120"/>
+                <a:cs typeface="Times New Roman" panose="02020603050405020304" pitchFamily="18" charset="0"/>
+              </a:rPr>
+              <a:t>底板</a:t>
+            </a:r>
+            <a:r>
+              <a:rPr lang="en-US" altLang="zh-TW" sz="2400" dirty="0" smtClean="0">
+                <a:solidFill>
+                  <a:srgbClr val="FF0000"/>
+                </a:solidFill>
+                <a:latin typeface="Times New Roman" panose="02020603050405020304" pitchFamily="18" charset="0"/>
+                <a:ea typeface="標楷體" panose="03000509000000000000" pitchFamily="65" charset="-120"/>
+                <a:cs typeface="Times New Roman" panose="02020603050405020304" pitchFamily="18" charset="0"/>
+              </a:rPr>
+              <a:t>x</a:t>
+            </a:r>
+            <a:r>
+              <a:rPr lang="zh-TW" altLang="en-US" sz="2400" dirty="0" smtClean="0">
+                <a:solidFill>
+                  <a:srgbClr val="FF0000"/>
+                </a:solidFill>
+                <a:latin typeface="Times New Roman" panose="02020603050405020304" pitchFamily="18" charset="0"/>
+                <a:ea typeface="標楷體" panose="03000509000000000000" pitchFamily="65" charset="-120"/>
+                <a:cs typeface="Times New Roman" panose="02020603050405020304" pitchFamily="18" charset="0"/>
+              </a:rPr>
+              <a:t>座標</a:t>
+            </a:r>
+            <a:endParaRPr lang="en-US" altLang="zh-TW" sz="2400" dirty="0">
+              <a:solidFill>
+                <a:srgbClr val="FF0000"/>
+              </a:solidFill>
+              <a:latin typeface="Times New Roman" panose="02020603050405020304" pitchFamily="18" charset="0"/>
+              <a:ea typeface="標楷體" panose="03000509000000000000" pitchFamily="65" charset="-120"/>
+              <a:cs typeface="Times New Roman" panose="02020603050405020304" pitchFamily="18" charset="0"/>
+            </a:endParaRPr>
+          </a:p>
+        </p:txBody>
+      </p:sp>
+    </p:spTree>
+    <p:extLst>
+      <p:ext uri="{BB962C8B-B14F-4D97-AF65-F5344CB8AC3E}">
+        <p14:creationId xmlns:p14="http://schemas.microsoft.com/office/powerpoint/2010/main" val="794316630"/>
+      </p:ext>
+    </p:extLst>
+  </p:cSld>
+  <p:clrMapOvr>
+    <a:masterClrMapping/>
+  </p:clrMapOvr>
+  <mc:AlternateContent xmlns:mc="http://schemas.openxmlformats.org/markup-compatibility/2006" xmlns:p14="http://schemas.microsoft.com/office/powerpoint/2010/main">
+    <mc:Choice Requires="p14">
+      <p:transition spd="med" p14:dur="700">
+        <p:fade/>
+      </p:transition>
+    </mc:Choice>
+    <mc:Fallback xmlns="">
+      <p:transition spd="med">
+        <p:fade/>
+      </p:transition>
+    </mc:Fallback>
+  </mc:AlternateContent>
+</p:sld>
+</file>
+
+<file path=ppt/slides/slide12.xml><?xml version="1.0" encoding="utf-8"?>
+<p:sld xmlns:a="http://schemas.openxmlformats.org/drawingml/2006/main" xmlns:r="http://schemas.openxmlformats.org/officeDocument/2006/relationships" xmlns:p="http://schemas.openxmlformats.org/presentationml/2006/main">
+  <p:cSld>
+    <p:spTree>
+      <p:nvGrpSpPr>
+        <p:cNvPr id="1" name=""/>
+        <p:cNvGrpSpPr/>
+        <p:nvPr/>
+      </p:nvGrpSpPr>
+      <p:grpSpPr>
+        <a:xfrm>
+          <a:off x="0" y="0"/>
+          <a:ext cx="0" cy="0"/>
+          <a:chOff x="0" y="0"/>
+          <a:chExt cx="0" cy="0"/>
+        </a:xfrm>
+      </p:grpSpPr>
+      <p:pic>
+        <p:nvPicPr>
+          <p:cNvPr id="4" name="內容版面配置區 3"/>
+          <p:cNvPicPr>
+            <a:picLocks noGrp="1" noChangeAspect="1"/>
+          </p:cNvPicPr>
+          <p:nvPr>
+            <p:ph idx="1"/>
+          </p:nvPr>
+        </p:nvPicPr>
+        <p:blipFill>
+          <a:blip r:embed="rId2">
+            <a:extLst>
+              <a:ext uri="{28A0092B-C50C-407E-A947-70E740481C1C}">
+                <a14:useLocalDpi xmlns:a14="http://schemas.microsoft.com/office/drawing/2010/main" val="0"/>
+              </a:ext>
+            </a:extLst>
+          </a:blip>
+          <a:stretch>
+            <a:fillRect/>
+          </a:stretch>
+        </p:blipFill>
+        <p:spPr>
+          <a:xfrm>
+            <a:off x="2602923" y="1828800"/>
+            <a:ext cx="5611380" cy="4191000"/>
+          </a:xfrm>
+        </p:spPr>
+      </p:pic>
+      <p:sp>
+        <p:nvSpPr>
+          <p:cNvPr id="2" name="標題 1"/>
+          <p:cNvSpPr>
+            <a:spLocks noGrp="1"/>
+          </p:cNvSpPr>
+          <p:nvPr>
+            <p:ph type="title"/>
+          </p:nvPr>
+        </p:nvSpPr>
+        <p:spPr/>
+        <p:txBody>
+          <a:bodyPr/>
+          <a:lstStyle/>
+          <a:p>
+            <a:r>
+              <a:rPr lang="zh-TW" altLang="en-US" dirty="0" smtClean="0">
+                <a:latin typeface="Times New Roman" panose="02020603050405020304" pitchFamily="18" charset="0"/>
+                <a:ea typeface="標楷體" panose="03000509000000000000" pitchFamily="65" charset="-120"/>
+                <a:cs typeface="Times New Roman" panose="02020603050405020304" pitchFamily="18" charset="0"/>
+              </a:rPr>
+              <a:t>資料視覺化</a:t>
+            </a:r>
+            <a:endParaRPr lang="zh-TW" altLang="en-US" dirty="0"/>
+          </a:p>
+        </p:txBody>
+      </p:sp>
+      <p:sp>
+        <p:nvSpPr>
+          <p:cNvPr id="6" name="文字方塊 5"/>
+          <p:cNvSpPr txBox="1"/>
+          <p:nvPr/>
+        </p:nvSpPr>
+        <p:spPr>
+          <a:xfrm>
+            <a:off x="4401926" y="1700808"/>
+            <a:ext cx="2013372" cy="461665"/>
+          </a:xfrm>
+          <a:prstGeom prst="rect">
+            <a:avLst/>
+          </a:prstGeom>
+          <a:noFill/>
+          <a:ln>
+            <a:noFill/>
+          </a:ln>
+        </p:spPr>
+        <p:txBody>
+          <a:bodyPr wrap="none" rtlCol="0" anchor="ctr" anchorCtr="1">
+            <a:spAutoFit/>
+          </a:bodyPr>
+          <a:lstStyle/>
+          <a:p>
+            <a:pPr marL="45720"/>
+            <a:r>
+              <a:rPr lang="en-US" altLang="zh-TW" sz="2400" dirty="0" smtClean="0">
+                <a:solidFill>
+                  <a:srgbClr val="00B050"/>
+                </a:solidFill>
+                <a:latin typeface="Times New Roman" panose="02020603050405020304" pitchFamily="18" charset="0"/>
+                <a:ea typeface="標楷體" panose="03000509000000000000" pitchFamily="65" charset="-120"/>
+                <a:cs typeface="Times New Roman" panose="02020603050405020304" pitchFamily="18" charset="0"/>
+              </a:rPr>
+              <a:t>All</a:t>
+            </a:r>
+            <a:r>
+              <a:rPr lang="en-US" altLang="zh-TW" sz="2400" dirty="0" smtClean="0">
+                <a:solidFill>
+                  <a:srgbClr val="00B050"/>
+                </a:solidFill>
+                <a:latin typeface="Times New Roman" panose="02020603050405020304" pitchFamily="18" charset="0"/>
+                <a:ea typeface="標楷體" panose="03000509000000000000" pitchFamily="65" charset="-120"/>
+                <a:cs typeface="Times New Roman" panose="02020603050405020304" pitchFamily="18" charset="0"/>
+              </a:rPr>
+              <a:t> .pickle file</a:t>
+            </a:r>
+            <a:endParaRPr lang="en-US" altLang="zh-TW" sz="2400" dirty="0">
+              <a:solidFill>
+                <a:srgbClr val="00B050"/>
+              </a:solidFill>
+              <a:latin typeface="Times New Roman" panose="02020603050405020304" pitchFamily="18" charset="0"/>
+              <a:ea typeface="標楷體" panose="03000509000000000000" pitchFamily="65" charset="-120"/>
+              <a:cs typeface="Times New Roman" panose="02020603050405020304" pitchFamily="18" charset="0"/>
+            </a:endParaRPr>
+          </a:p>
+        </p:txBody>
+      </p:sp>
+      <p:sp>
+        <p:nvSpPr>
+          <p:cNvPr id="11" name="文字方塊 10"/>
+          <p:cNvSpPr txBox="1"/>
+          <p:nvPr/>
+        </p:nvSpPr>
+        <p:spPr>
+          <a:xfrm>
+            <a:off x="1701924" y="2162473"/>
+            <a:ext cx="1308050" cy="461665"/>
+          </a:xfrm>
+          <a:prstGeom prst="rect">
+            <a:avLst/>
+          </a:prstGeom>
+          <a:noFill/>
+          <a:ln>
+            <a:noFill/>
+          </a:ln>
+        </p:spPr>
+        <p:txBody>
+          <a:bodyPr wrap="none" rtlCol="0" anchor="ctr" anchorCtr="1">
+            <a:spAutoFit/>
+          </a:bodyPr>
+          <a:lstStyle/>
+          <a:p>
+            <a:pPr marL="45720"/>
+            <a:r>
+              <a:rPr lang="zh-TW" altLang="en-US" sz="2400" dirty="0" smtClean="0">
+                <a:solidFill>
+                  <a:srgbClr val="FF0000"/>
+                </a:solidFill>
+                <a:latin typeface="Times New Roman" panose="02020603050405020304" pitchFamily="18" charset="0"/>
+                <a:ea typeface="標楷體" panose="03000509000000000000" pitchFamily="65" charset="-120"/>
+                <a:cs typeface="Times New Roman" panose="02020603050405020304" pitchFamily="18" charset="0"/>
+              </a:rPr>
+              <a:t>球</a:t>
+            </a:r>
+            <a:r>
+              <a:rPr lang="en-US" altLang="zh-TW" sz="2400" dirty="0" smtClean="0">
+                <a:solidFill>
+                  <a:srgbClr val="FF0000"/>
+                </a:solidFill>
+                <a:latin typeface="Times New Roman" panose="02020603050405020304" pitchFamily="18" charset="0"/>
+                <a:ea typeface="標楷體" panose="03000509000000000000" pitchFamily="65" charset="-120"/>
+                <a:cs typeface="Times New Roman" panose="02020603050405020304" pitchFamily="18" charset="0"/>
+              </a:rPr>
+              <a:t>y</a:t>
+            </a:r>
+            <a:r>
+              <a:rPr lang="zh-TW" altLang="en-US" sz="2400" dirty="0" smtClean="0">
+                <a:solidFill>
+                  <a:srgbClr val="FF0000"/>
+                </a:solidFill>
+                <a:latin typeface="Times New Roman" panose="02020603050405020304" pitchFamily="18" charset="0"/>
+                <a:ea typeface="標楷體" panose="03000509000000000000" pitchFamily="65" charset="-120"/>
+                <a:cs typeface="Times New Roman" panose="02020603050405020304" pitchFamily="18" charset="0"/>
+              </a:rPr>
+              <a:t>座標</a:t>
+            </a:r>
+            <a:endParaRPr lang="en-US" altLang="zh-TW" sz="2400" dirty="0">
+              <a:solidFill>
+                <a:srgbClr val="FF0000"/>
+              </a:solidFill>
+              <a:latin typeface="Times New Roman" panose="02020603050405020304" pitchFamily="18" charset="0"/>
+              <a:ea typeface="標楷體" panose="03000509000000000000" pitchFamily="65" charset="-120"/>
+              <a:cs typeface="Times New Roman" panose="02020603050405020304" pitchFamily="18" charset="0"/>
+            </a:endParaRPr>
+          </a:p>
+        </p:txBody>
+      </p:sp>
+      <p:sp>
+        <p:nvSpPr>
+          <p:cNvPr id="12" name="文字方塊 11"/>
+          <p:cNvSpPr txBox="1"/>
+          <p:nvPr/>
+        </p:nvSpPr>
+        <p:spPr>
+          <a:xfrm>
+            <a:off x="6238428" y="5738618"/>
+            <a:ext cx="1615827" cy="461665"/>
+          </a:xfrm>
+          <a:prstGeom prst="rect">
+            <a:avLst/>
+          </a:prstGeom>
+          <a:noFill/>
+          <a:ln>
+            <a:noFill/>
+          </a:ln>
+        </p:spPr>
+        <p:txBody>
+          <a:bodyPr wrap="none" rtlCol="0" anchor="ctr" anchorCtr="1">
+            <a:spAutoFit/>
+          </a:bodyPr>
+          <a:lstStyle/>
+          <a:p>
+            <a:pPr marL="45720"/>
+            <a:r>
+              <a:rPr lang="zh-TW" altLang="en-US" sz="2400" dirty="0" smtClean="0">
+                <a:solidFill>
+                  <a:srgbClr val="FF0000"/>
+                </a:solidFill>
+                <a:latin typeface="Times New Roman" panose="02020603050405020304" pitchFamily="18" charset="0"/>
+                <a:ea typeface="標楷體" panose="03000509000000000000" pitchFamily="65" charset="-120"/>
+                <a:cs typeface="Times New Roman" panose="02020603050405020304" pitchFamily="18" charset="0"/>
+              </a:rPr>
+              <a:t>底板</a:t>
+            </a:r>
+            <a:r>
+              <a:rPr lang="en-US" altLang="zh-TW" sz="2400" dirty="0" smtClean="0">
+                <a:solidFill>
+                  <a:srgbClr val="FF0000"/>
+                </a:solidFill>
+                <a:latin typeface="Times New Roman" panose="02020603050405020304" pitchFamily="18" charset="0"/>
+                <a:ea typeface="標楷體" panose="03000509000000000000" pitchFamily="65" charset="-120"/>
+                <a:cs typeface="Times New Roman" panose="02020603050405020304" pitchFamily="18" charset="0"/>
+              </a:rPr>
+              <a:t>x</a:t>
+            </a:r>
+            <a:r>
+              <a:rPr lang="zh-TW" altLang="en-US" sz="2400" dirty="0" smtClean="0">
+                <a:solidFill>
+                  <a:srgbClr val="FF0000"/>
+                </a:solidFill>
+                <a:latin typeface="Times New Roman" panose="02020603050405020304" pitchFamily="18" charset="0"/>
+                <a:ea typeface="標楷體" panose="03000509000000000000" pitchFamily="65" charset="-120"/>
+                <a:cs typeface="Times New Roman" panose="02020603050405020304" pitchFamily="18" charset="0"/>
+              </a:rPr>
+              <a:t>座標</a:t>
+            </a:r>
+            <a:endParaRPr lang="en-US" altLang="zh-TW" sz="2400" dirty="0">
+              <a:solidFill>
+                <a:srgbClr val="FF0000"/>
+              </a:solidFill>
+              <a:latin typeface="Times New Roman" panose="02020603050405020304" pitchFamily="18" charset="0"/>
+              <a:ea typeface="標楷體" panose="03000509000000000000" pitchFamily="65" charset="-120"/>
+              <a:cs typeface="Times New Roman" panose="02020603050405020304" pitchFamily="18" charset="0"/>
+            </a:endParaRPr>
+          </a:p>
+        </p:txBody>
+      </p:sp>
+    </p:spTree>
+    <p:extLst>
+      <p:ext uri="{BB962C8B-B14F-4D97-AF65-F5344CB8AC3E}">
+        <p14:creationId xmlns:p14="http://schemas.microsoft.com/office/powerpoint/2010/main" val="1841267131"/>
+      </p:ext>
+    </p:extLst>
+  </p:cSld>
+  <p:clrMapOvr>
+    <a:masterClrMapping/>
+  </p:clrMapOvr>
+  <mc:AlternateContent xmlns:mc="http://schemas.openxmlformats.org/markup-compatibility/2006" xmlns:p14="http://schemas.microsoft.com/office/powerpoint/2010/main">
+    <mc:Choice Requires="p14">
+      <p:transition spd="med" p14:dur="700">
+        <p:fade/>
+      </p:transition>
+    </mc:Choice>
+    <mc:Fallback xmlns="">
+      <p:transition spd="med">
+        <p:fade/>
+      </p:transition>
+    </mc:Fallback>
+  </mc:AlternateContent>
+</p:sld>
+</file>
+
 <file path=ppt/slides/slide2.xml><?xml version="1.0" encoding="utf-8"?>
 <p:sld xmlns:a="http://schemas.openxmlformats.org/drawingml/2006/main" xmlns:r="http://schemas.openxmlformats.org/officeDocument/2006/relationships" xmlns:p="http://schemas.openxmlformats.org/presentationml/2006/main">
   <p:cSld>
@@ -5134,11 +5995,6 @@
               </a:rPr>
               <a:t>圖</a:t>
             </a:r>
-            <a:endParaRPr lang="zh-TW" altLang="en-US" sz="2400" dirty="0">
-              <a:latin typeface="Times New Roman" panose="02020603050405020304" pitchFamily="18" charset="0"/>
-              <a:ea typeface="標楷體" panose="03000509000000000000" pitchFamily="65" charset="-120"/>
-              <a:cs typeface="Times New Roman" panose="02020603050405020304" pitchFamily="18" charset="0"/>
-            </a:endParaRPr>
           </a:p>
           <a:p>
             <a:pPr rtl="0"/>
@@ -5352,11 +6208,6 @@
               </a:rPr>
               <a:t>效能</a:t>
             </a:r>
-            <a:endParaRPr lang="zh-TW" altLang="en-US" sz="2400" dirty="0">
-              <a:latin typeface="Times New Roman" panose="02020603050405020304" pitchFamily="18" charset="0"/>
-              <a:ea typeface="標楷體" panose="03000509000000000000" pitchFamily="65" charset="-120"/>
-              <a:cs typeface="Times New Roman" panose="02020603050405020304" pitchFamily="18" charset="0"/>
-            </a:endParaRPr>
           </a:p>
         </p:txBody>
       </p:sp>
@@ -5882,15 +6733,7 @@
                 <a:ea typeface="標楷體" panose="03000509000000000000" pitchFamily="65" charset="-120"/>
                 <a:cs typeface="Times New Roman" panose="02020603050405020304" pitchFamily="18" charset="0"/>
               </a:rPr>
-              <a:t>1</a:t>
-            </a:r>
-            <a:r>
-              <a:rPr lang="en-US" altLang="zh-TW" dirty="0" smtClean="0">
-                <a:latin typeface="Times New Roman" panose="02020603050405020304" pitchFamily="18" charset="0"/>
-                <a:ea typeface="標楷體" panose="03000509000000000000" pitchFamily="65" charset="-120"/>
-                <a:cs typeface="Times New Roman" panose="02020603050405020304" pitchFamily="18" charset="0"/>
-              </a:rPr>
-              <a:t>.</a:t>
+              <a:t>1.</a:t>
             </a:r>
             <a:r>
               <a:rPr lang="zh-TW" altLang="en-US" dirty="0" smtClean="0">
@@ -5898,15 +6741,7 @@
                 <a:ea typeface="標楷體" panose="03000509000000000000" pitchFamily="65" charset="-120"/>
                 <a:cs typeface="Times New Roman" panose="02020603050405020304" pitchFamily="18" charset="0"/>
               </a:rPr>
-              <a:t> </a:t>
-            </a:r>
-            <a:r>
-              <a:rPr lang="zh-TW" altLang="en-US" dirty="0" smtClean="0">
-                <a:latin typeface="Times New Roman" panose="02020603050405020304" pitchFamily="18" charset="0"/>
-                <a:ea typeface="標楷體" panose="03000509000000000000" pitchFamily="65" charset="-120"/>
-                <a:cs typeface="Times New Roman" panose="02020603050405020304" pitchFamily="18" charset="0"/>
-              </a:rPr>
-              <a:t>為了</a:t>
+              <a:t> 為了</a:t>
             </a:r>
             <a:r>
               <a:rPr lang="zh-TW" altLang="en-US" dirty="0">
@@ -6127,15 +6962,7 @@
                 <a:ea typeface="標楷體" panose="03000509000000000000" pitchFamily="65" charset="-120"/>
                 <a:cs typeface="Times New Roman" panose="02020603050405020304" pitchFamily="18" charset="0"/>
               </a:rPr>
-              <a:t> </a:t>
-            </a:r>
-            <a:r>
-              <a:rPr lang="zh-TW" altLang="en-US" dirty="0" smtClean="0">
-                <a:latin typeface="Times New Roman" panose="02020603050405020304" pitchFamily="18" charset="0"/>
-                <a:ea typeface="標楷體" panose="03000509000000000000" pitchFamily="65" charset="-120"/>
-                <a:cs typeface="Times New Roman" panose="02020603050405020304" pitchFamily="18" charset="0"/>
-              </a:rPr>
-              <a:t>為了</a:t>
+              <a:t> 為了</a:t>
             </a:r>
             <a:r>
               <a:rPr lang="zh-TW" altLang="en-US" dirty="0">
@@ -6284,15 +7111,7 @@
                 <a:ea typeface="標楷體" panose="03000509000000000000" pitchFamily="65" charset="-120"/>
                 <a:cs typeface="Times New Roman" panose="02020603050405020304" pitchFamily="18" charset="0"/>
               </a:rPr>
-              <a:t>3</a:t>
-            </a:r>
-            <a:r>
-              <a:rPr lang="en-US" altLang="zh-TW" dirty="0" smtClean="0">
-                <a:latin typeface="Times New Roman" panose="02020603050405020304" pitchFamily="18" charset="0"/>
-                <a:ea typeface="標楷體" panose="03000509000000000000" pitchFamily="65" charset="-120"/>
-                <a:cs typeface="Times New Roman" panose="02020603050405020304" pitchFamily="18" charset="0"/>
-              </a:rPr>
-              <a:t>.</a:t>
+              <a:t>3.</a:t>
             </a:r>
             <a:r>
               <a:rPr lang="zh-TW" altLang="en-US" dirty="0" smtClean="0">
@@ -6300,15 +7119,7 @@
                 <a:ea typeface="標楷體" panose="03000509000000000000" pitchFamily="65" charset="-120"/>
                 <a:cs typeface="Times New Roman" panose="02020603050405020304" pitchFamily="18" charset="0"/>
               </a:rPr>
-              <a:t> </a:t>
-            </a:r>
-            <a:r>
-              <a:rPr lang="zh-TW" altLang="en-US" dirty="0" smtClean="0">
-                <a:latin typeface="Times New Roman" panose="02020603050405020304" pitchFamily="18" charset="0"/>
-                <a:ea typeface="標楷體" panose="03000509000000000000" pitchFamily="65" charset="-120"/>
-                <a:cs typeface="Times New Roman" panose="02020603050405020304" pitchFamily="18" charset="0"/>
-              </a:rPr>
-              <a:t>為了</a:t>
+              <a:t> 為了</a:t>
             </a:r>
             <a:r>
               <a:rPr lang="zh-TW" altLang="en-US" dirty="0">
@@ -7343,6 +8154,516 @@
       </p:par>
     </p:tnLst>
   </p:timing>
+</p:sld>
+</file>
+
+<file path=ppt/slides/slide8.xml><?xml version="1.0" encoding="utf-8"?>
+<p:sld xmlns:a="http://schemas.openxmlformats.org/drawingml/2006/main" xmlns:r="http://schemas.openxmlformats.org/officeDocument/2006/relationships" xmlns:p="http://schemas.openxmlformats.org/presentationml/2006/main">
+  <p:cSld>
+    <p:spTree>
+      <p:nvGrpSpPr>
+        <p:cNvPr id="1" name=""/>
+        <p:cNvGrpSpPr/>
+        <p:nvPr/>
+      </p:nvGrpSpPr>
+      <p:grpSpPr>
+        <a:xfrm>
+          <a:off x="0" y="0"/>
+          <a:ext cx="0" cy="0"/>
+          <a:chOff x="0" y="0"/>
+          <a:chExt cx="0" cy="0"/>
+        </a:xfrm>
+      </p:grpSpPr>
+      <p:sp>
+        <p:nvSpPr>
+          <p:cNvPr id="2" name="標題 1"/>
+          <p:cNvSpPr>
+            <a:spLocks noGrp="1"/>
+          </p:cNvSpPr>
+          <p:nvPr>
+            <p:ph type="title"/>
+          </p:nvPr>
+        </p:nvSpPr>
+        <p:spPr/>
+        <p:txBody>
+          <a:bodyPr/>
+          <a:lstStyle/>
+          <a:p>
+            <a:r>
+              <a:rPr lang="zh-TW" altLang="en-US" dirty="0" smtClean="0">
+                <a:latin typeface="Times New Roman" panose="02020603050405020304" pitchFamily="18" charset="0"/>
+                <a:ea typeface="標楷體" panose="03000509000000000000" pitchFamily="65" charset="-120"/>
+                <a:cs typeface="Times New Roman" panose="02020603050405020304" pitchFamily="18" charset="0"/>
+              </a:rPr>
+              <a:t>資料視覺化</a:t>
+            </a:r>
+            <a:endParaRPr lang="zh-TW" altLang="en-US" dirty="0"/>
+          </a:p>
+        </p:txBody>
+      </p:sp>
+      <p:pic>
+        <p:nvPicPr>
+          <p:cNvPr id="4" name="內容版面配置區 3"/>
+          <p:cNvPicPr>
+            <a:picLocks noGrp="1" noChangeAspect="1"/>
+          </p:cNvPicPr>
+          <p:nvPr>
+            <p:ph idx="1"/>
+          </p:nvPr>
+        </p:nvPicPr>
+        <p:blipFill>
+          <a:blip r:embed="rId2">
+            <a:extLst>
+              <a:ext uri="{28A0092B-C50C-407E-A947-70E740481C1C}">
+                <a14:useLocalDpi xmlns:a14="http://schemas.microsoft.com/office/drawing/2010/main" val="0"/>
+              </a:ext>
+            </a:extLst>
+          </a:blip>
+          <a:stretch>
+            <a:fillRect/>
+          </a:stretch>
+        </p:blipFill>
+        <p:spPr>
+          <a:xfrm>
+            <a:off x="1065212" y="1700808"/>
+            <a:ext cx="4840081" cy="3614936"/>
+          </a:xfrm>
+        </p:spPr>
+      </p:pic>
+      <p:pic>
+        <p:nvPicPr>
+          <p:cNvPr id="5" name="圖片 4"/>
+          <p:cNvPicPr>
+            <a:picLocks noChangeAspect="1"/>
+          </p:cNvPicPr>
+          <p:nvPr/>
+        </p:nvPicPr>
+        <p:blipFill>
+          <a:blip r:embed="rId3">
+            <a:extLst>
+              <a:ext uri="{28A0092B-C50C-407E-A947-70E740481C1C}">
+                <a14:useLocalDpi xmlns:a14="http://schemas.microsoft.com/office/drawing/2010/main" val="0"/>
+              </a:ext>
+            </a:extLst>
+          </a:blip>
+          <a:stretch>
+            <a:fillRect/>
+          </a:stretch>
+        </p:blipFill>
+        <p:spPr>
+          <a:xfrm>
+            <a:off x="5662364" y="1679727"/>
+            <a:ext cx="4916068" cy="3671688"/>
+          </a:xfrm>
+          <a:prstGeom prst="rect">
+            <a:avLst/>
+          </a:prstGeom>
+        </p:spPr>
+      </p:pic>
+      <p:sp>
+        <p:nvSpPr>
+          <p:cNvPr id="6" name="文字方塊 5"/>
+          <p:cNvSpPr txBox="1"/>
+          <p:nvPr/>
+        </p:nvSpPr>
+        <p:spPr>
+          <a:xfrm>
+            <a:off x="7053599" y="1600200"/>
+            <a:ext cx="2163413" cy="461665"/>
+          </a:xfrm>
+          <a:prstGeom prst="rect">
+            <a:avLst/>
+          </a:prstGeom>
+          <a:noFill/>
+          <a:ln>
+            <a:noFill/>
+          </a:ln>
+        </p:spPr>
+        <p:txBody>
+          <a:bodyPr wrap="none" rtlCol="0" anchor="ctr" anchorCtr="1">
+            <a:spAutoFit/>
+          </a:bodyPr>
+          <a:lstStyle/>
+          <a:p>
+            <a:pPr marL="45720"/>
+            <a:r>
+              <a:rPr lang="en-US" altLang="zh-TW" sz="2400" dirty="0" smtClean="0">
+                <a:solidFill>
+                  <a:srgbClr val="00B050"/>
+                </a:solidFill>
+                <a:latin typeface="Times New Roman" panose="02020603050405020304" pitchFamily="18" charset="0"/>
+                <a:ea typeface="標楷體" panose="03000509000000000000" pitchFamily="65" charset="-120"/>
+                <a:cs typeface="Times New Roman" panose="02020603050405020304" pitchFamily="18" charset="0"/>
+              </a:rPr>
+              <a:t>Two .pickle file</a:t>
+            </a:r>
+            <a:endParaRPr lang="en-US" altLang="zh-TW" sz="2400" dirty="0">
+              <a:solidFill>
+                <a:srgbClr val="00B050"/>
+              </a:solidFill>
+              <a:latin typeface="Times New Roman" panose="02020603050405020304" pitchFamily="18" charset="0"/>
+              <a:ea typeface="標楷體" panose="03000509000000000000" pitchFamily="65" charset="-120"/>
+              <a:cs typeface="Times New Roman" panose="02020603050405020304" pitchFamily="18" charset="0"/>
+            </a:endParaRPr>
+          </a:p>
+        </p:txBody>
+      </p:sp>
+      <p:sp>
+        <p:nvSpPr>
+          <p:cNvPr id="7" name="文字方塊 6"/>
+          <p:cNvSpPr txBox="1"/>
+          <p:nvPr/>
+        </p:nvSpPr>
+        <p:spPr>
+          <a:xfrm>
+            <a:off x="2418453" y="1600200"/>
+            <a:ext cx="2133597" cy="461665"/>
+          </a:xfrm>
+          <a:prstGeom prst="rect">
+            <a:avLst/>
+          </a:prstGeom>
+          <a:noFill/>
+          <a:ln>
+            <a:noFill/>
+          </a:ln>
+        </p:spPr>
+        <p:txBody>
+          <a:bodyPr wrap="none" rtlCol="0" anchor="ctr" anchorCtr="1">
+            <a:spAutoFit/>
+          </a:bodyPr>
+          <a:lstStyle/>
+          <a:p>
+            <a:pPr marL="45720"/>
+            <a:r>
+              <a:rPr lang="en-US" altLang="zh-TW" sz="2400" dirty="0" smtClean="0">
+                <a:solidFill>
+                  <a:srgbClr val="00B050"/>
+                </a:solidFill>
+                <a:latin typeface="Times New Roman" panose="02020603050405020304" pitchFamily="18" charset="0"/>
+                <a:ea typeface="標楷體" panose="03000509000000000000" pitchFamily="65" charset="-120"/>
+                <a:cs typeface="Times New Roman" panose="02020603050405020304" pitchFamily="18" charset="0"/>
+              </a:rPr>
+              <a:t>One .pickle file</a:t>
+            </a:r>
+            <a:endParaRPr lang="en-US" altLang="zh-TW" sz="2400" dirty="0">
+              <a:solidFill>
+                <a:srgbClr val="00B050"/>
+              </a:solidFill>
+              <a:latin typeface="Times New Roman" panose="02020603050405020304" pitchFamily="18" charset="0"/>
+              <a:ea typeface="標楷體" panose="03000509000000000000" pitchFamily="65" charset="-120"/>
+              <a:cs typeface="Times New Roman" panose="02020603050405020304" pitchFamily="18" charset="0"/>
+            </a:endParaRPr>
+          </a:p>
+        </p:txBody>
+      </p:sp>
+      <p:sp>
+        <p:nvSpPr>
+          <p:cNvPr id="8" name="文字方塊 7"/>
+          <p:cNvSpPr txBox="1"/>
+          <p:nvPr/>
+        </p:nvSpPr>
+        <p:spPr>
+          <a:xfrm>
+            <a:off x="4354314" y="5084911"/>
+            <a:ext cx="1308050" cy="461665"/>
+          </a:xfrm>
+          <a:prstGeom prst="rect">
+            <a:avLst/>
+          </a:prstGeom>
+          <a:noFill/>
+          <a:ln>
+            <a:noFill/>
+          </a:ln>
+        </p:spPr>
+        <p:txBody>
+          <a:bodyPr wrap="none" rtlCol="0" anchor="ctr" anchorCtr="1">
+            <a:spAutoFit/>
+          </a:bodyPr>
+          <a:lstStyle/>
+          <a:p>
+            <a:pPr marL="45720"/>
+            <a:r>
+              <a:rPr lang="zh-TW" altLang="en-US" sz="2400" dirty="0" smtClean="0">
+                <a:solidFill>
+                  <a:srgbClr val="FF0000"/>
+                </a:solidFill>
+                <a:latin typeface="Times New Roman" panose="02020603050405020304" pitchFamily="18" charset="0"/>
+                <a:ea typeface="標楷體" panose="03000509000000000000" pitchFamily="65" charset="-120"/>
+                <a:cs typeface="Times New Roman" panose="02020603050405020304" pitchFamily="18" charset="0"/>
+              </a:rPr>
+              <a:t>球</a:t>
+            </a:r>
+            <a:r>
+              <a:rPr lang="en-US" altLang="zh-TW" sz="2400" dirty="0" smtClean="0">
+                <a:solidFill>
+                  <a:srgbClr val="FF0000"/>
+                </a:solidFill>
+                <a:latin typeface="Times New Roman" panose="02020603050405020304" pitchFamily="18" charset="0"/>
+                <a:ea typeface="標楷體" panose="03000509000000000000" pitchFamily="65" charset="-120"/>
+                <a:cs typeface="Times New Roman" panose="02020603050405020304" pitchFamily="18" charset="0"/>
+              </a:rPr>
+              <a:t>x</a:t>
+            </a:r>
+            <a:r>
+              <a:rPr lang="zh-TW" altLang="en-US" sz="2400" dirty="0" smtClean="0">
+                <a:solidFill>
+                  <a:srgbClr val="FF0000"/>
+                </a:solidFill>
+                <a:latin typeface="Times New Roman" panose="02020603050405020304" pitchFamily="18" charset="0"/>
+                <a:ea typeface="標楷體" panose="03000509000000000000" pitchFamily="65" charset="-120"/>
+                <a:cs typeface="Times New Roman" panose="02020603050405020304" pitchFamily="18" charset="0"/>
+              </a:rPr>
+              <a:t>座標</a:t>
+            </a:r>
+            <a:endParaRPr lang="en-US" altLang="zh-TW" sz="2400" dirty="0">
+              <a:solidFill>
+                <a:srgbClr val="FF0000"/>
+              </a:solidFill>
+              <a:latin typeface="Times New Roman" panose="02020603050405020304" pitchFamily="18" charset="0"/>
+              <a:ea typeface="標楷體" panose="03000509000000000000" pitchFamily="65" charset="-120"/>
+              <a:cs typeface="Times New Roman" panose="02020603050405020304" pitchFamily="18" charset="0"/>
+            </a:endParaRPr>
+          </a:p>
+        </p:txBody>
+      </p:sp>
+      <p:sp>
+        <p:nvSpPr>
+          <p:cNvPr id="10" name="文字方塊 9"/>
+          <p:cNvSpPr txBox="1"/>
+          <p:nvPr/>
+        </p:nvSpPr>
+        <p:spPr>
+          <a:xfrm>
+            <a:off x="189756" y="2058447"/>
+            <a:ext cx="1308050" cy="461665"/>
+          </a:xfrm>
+          <a:prstGeom prst="rect">
+            <a:avLst/>
+          </a:prstGeom>
+          <a:noFill/>
+          <a:ln>
+            <a:noFill/>
+          </a:ln>
+        </p:spPr>
+        <p:txBody>
+          <a:bodyPr wrap="none" rtlCol="0" anchor="ctr" anchorCtr="1">
+            <a:spAutoFit/>
+          </a:bodyPr>
+          <a:lstStyle/>
+          <a:p>
+            <a:pPr marL="45720"/>
+            <a:r>
+              <a:rPr lang="zh-TW" altLang="en-US" sz="2400" dirty="0" smtClean="0">
+                <a:solidFill>
+                  <a:srgbClr val="FF0000"/>
+                </a:solidFill>
+                <a:latin typeface="Times New Roman" panose="02020603050405020304" pitchFamily="18" charset="0"/>
+                <a:ea typeface="標楷體" panose="03000509000000000000" pitchFamily="65" charset="-120"/>
+                <a:cs typeface="Times New Roman" panose="02020603050405020304" pitchFamily="18" charset="0"/>
+              </a:rPr>
+              <a:t>球</a:t>
+            </a:r>
+            <a:r>
+              <a:rPr lang="en-US" altLang="zh-TW" sz="2400" dirty="0">
+                <a:solidFill>
+                  <a:srgbClr val="FF0000"/>
+                </a:solidFill>
+                <a:latin typeface="Times New Roman" panose="02020603050405020304" pitchFamily="18" charset="0"/>
+                <a:ea typeface="標楷體" panose="03000509000000000000" pitchFamily="65" charset="-120"/>
+                <a:cs typeface="Times New Roman" panose="02020603050405020304" pitchFamily="18" charset="0"/>
+              </a:rPr>
+              <a:t>y</a:t>
+            </a:r>
+            <a:r>
+              <a:rPr lang="zh-TW" altLang="en-US" sz="2400" dirty="0" smtClean="0">
+                <a:solidFill>
+                  <a:srgbClr val="FF0000"/>
+                </a:solidFill>
+                <a:latin typeface="Times New Roman" panose="02020603050405020304" pitchFamily="18" charset="0"/>
+                <a:ea typeface="標楷體" panose="03000509000000000000" pitchFamily="65" charset="-120"/>
+                <a:cs typeface="Times New Roman" panose="02020603050405020304" pitchFamily="18" charset="0"/>
+              </a:rPr>
+              <a:t>座標</a:t>
+            </a:r>
+            <a:endParaRPr lang="en-US" altLang="zh-TW" sz="2400" dirty="0">
+              <a:solidFill>
+                <a:srgbClr val="FF0000"/>
+              </a:solidFill>
+              <a:latin typeface="Times New Roman" panose="02020603050405020304" pitchFamily="18" charset="0"/>
+              <a:ea typeface="標楷體" panose="03000509000000000000" pitchFamily="65" charset="-120"/>
+              <a:cs typeface="Times New Roman" panose="02020603050405020304" pitchFamily="18" charset="0"/>
+            </a:endParaRPr>
+          </a:p>
+        </p:txBody>
+      </p:sp>
+    </p:spTree>
+    <p:extLst>
+      <p:ext uri="{BB962C8B-B14F-4D97-AF65-F5344CB8AC3E}">
+        <p14:creationId xmlns:p14="http://schemas.microsoft.com/office/powerpoint/2010/main" val="209283877"/>
+      </p:ext>
+    </p:extLst>
+  </p:cSld>
+  <p:clrMapOvr>
+    <a:masterClrMapping/>
+  </p:clrMapOvr>
+  <mc:AlternateContent xmlns:mc="http://schemas.openxmlformats.org/markup-compatibility/2006" xmlns:p14="http://schemas.microsoft.com/office/powerpoint/2010/main">
+    <mc:Choice Requires="p14">
+      <p:transition spd="med" p14:dur="700">
+        <p:fade/>
+      </p:transition>
+    </mc:Choice>
+    <mc:Fallback xmlns="">
+      <p:transition spd="med">
+        <p:fade/>
+      </p:transition>
+    </mc:Fallback>
+  </mc:AlternateContent>
+</p:sld>
+</file>
+
+<file path=ppt/slides/slide9.xml><?xml version="1.0" encoding="utf-8"?>
+<p:sld xmlns:a="http://schemas.openxmlformats.org/drawingml/2006/main" xmlns:r="http://schemas.openxmlformats.org/officeDocument/2006/relationships" xmlns:p="http://schemas.openxmlformats.org/presentationml/2006/main">
+  <p:cSld>
+    <p:spTree>
+      <p:nvGrpSpPr>
+        <p:cNvPr id="1" name=""/>
+        <p:cNvGrpSpPr/>
+        <p:nvPr/>
+      </p:nvGrpSpPr>
+      <p:grpSpPr>
+        <a:xfrm>
+          <a:off x="0" y="0"/>
+          <a:ext cx="0" cy="0"/>
+          <a:chOff x="0" y="0"/>
+          <a:chExt cx="0" cy="0"/>
+        </a:xfrm>
+      </p:grpSpPr>
+      <p:sp>
+        <p:nvSpPr>
+          <p:cNvPr id="2" name="標題 1"/>
+          <p:cNvSpPr>
+            <a:spLocks noGrp="1"/>
+          </p:cNvSpPr>
+          <p:nvPr>
+            <p:ph type="title"/>
+          </p:nvPr>
+        </p:nvSpPr>
+        <p:spPr/>
+        <p:txBody>
+          <a:bodyPr/>
+          <a:lstStyle/>
+          <a:p>
+            <a:r>
+              <a:rPr lang="zh-TW" altLang="en-US" dirty="0" smtClean="0">
+                <a:latin typeface="Times New Roman" panose="02020603050405020304" pitchFamily="18" charset="0"/>
+                <a:ea typeface="標楷體" panose="03000509000000000000" pitchFamily="65" charset="-120"/>
+                <a:cs typeface="Times New Roman" panose="02020603050405020304" pitchFamily="18" charset="0"/>
+              </a:rPr>
+              <a:t>資料視覺化</a:t>
+            </a:r>
+            <a:endParaRPr lang="zh-TW" altLang="en-US" dirty="0"/>
+          </a:p>
+        </p:txBody>
+      </p:sp>
+      <p:pic>
+        <p:nvPicPr>
+          <p:cNvPr id="8" name="內容版面配置區 7"/>
+          <p:cNvPicPr>
+            <a:picLocks noGrp="1" noChangeAspect="1"/>
+          </p:cNvPicPr>
+          <p:nvPr>
+            <p:ph idx="1"/>
+          </p:nvPr>
+        </p:nvPicPr>
+        <p:blipFill>
+          <a:blip r:embed="rId2">
+            <a:extLst>
+              <a:ext uri="{28A0092B-C50C-407E-A947-70E740481C1C}">
+                <a14:useLocalDpi xmlns:a14="http://schemas.microsoft.com/office/drawing/2010/main" val="0"/>
+              </a:ext>
+            </a:extLst>
+          </a:blip>
+          <a:stretch>
+            <a:fillRect/>
+          </a:stretch>
+        </p:blipFill>
+        <p:spPr>
+          <a:xfrm>
+            <a:off x="2602923" y="1828800"/>
+            <a:ext cx="5611380" cy="4191000"/>
+          </a:xfrm>
+        </p:spPr>
+      </p:pic>
+      <p:sp>
+        <p:nvSpPr>
+          <p:cNvPr id="6" name="文字方塊 5"/>
+          <p:cNvSpPr txBox="1"/>
+          <p:nvPr/>
+        </p:nvSpPr>
+        <p:spPr>
+          <a:xfrm>
+            <a:off x="4401926" y="1700808"/>
+            <a:ext cx="2013372" cy="461665"/>
+          </a:xfrm>
+          <a:prstGeom prst="rect">
+            <a:avLst/>
+          </a:prstGeom>
+          <a:noFill/>
+          <a:ln>
+            <a:noFill/>
+          </a:ln>
+        </p:spPr>
+        <p:txBody>
+          <a:bodyPr wrap="none" rtlCol="0" anchor="ctr" anchorCtr="1">
+            <a:spAutoFit/>
+          </a:bodyPr>
+          <a:lstStyle/>
+          <a:p>
+            <a:pPr marL="45720"/>
+            <a:r>
+              <a:rPr lang="en-US" altLang="zh-TW" sz="2400" dirty="0" smtClean="0">
+                <a:solidFill>
+                  <a:srgbClr val="00B050"/>
+                </a:solidFill>
+                <a:latin typeface="Times New Roman" panose="02020603050405020304" pitchFamily="18" charset="0"/>
+                <a:ea typeface="標楷體" panose="03000509000000000000" pitchFamily="65" charset="-120"/>
+                <a:cs typeface="Times New Roman" panose="02020603050405020304" pitchFamily="18" charset="0"/>
+              </a:rPr>
+              <a:t>All .pickle file</a:t>
+            </a:r>
+            <a:endParaRPr lang="en-US" altLang="zh-TW" sz="2400" dirty="0">
+              <a:solidFill>
+                <a:srgbClr val="00B050"/>
+              </a:solidFill>
+              <a:latin typeface="Times New Roman" panose="02020603050405020304" pitchFamily="18" charset="0"/>
+              <a:ea typeface="標楷體" panose="03000509000000000000" pitchFamily="65" charset="-120"/>
+              <a:cs typeface="Times New Roman" panose="02020603050405020304" pitchFamily="18" charset="0"/>
+            </a:endParaRPr>
+          </a:p>
+        </p:txBody>
+      </p:sp>
+    </p:spTree>
+    <p:extLst>
+      <p:ext uri="{BB962C8B-B14F-4D97-AF65-F5344CB8AC3E}">
+        <p14:creationId xmlns:p14="http://schemas.microsoft.com/office/powerpoint/2010/main" val="3613612174"/>
+      </p:ext>
+    </p:extLst>
+  </p:cSld>
+  <p:clrMapOvr>
+    <a:masterClrMapping/>
+  </p:clrMapOvr>
+  <mc:AlternateContent xmlns:mc="http://schemas.openxmlformats.org/markup-compatibility/2006" xmlns:p14="http://schemas.microsoft.com/office/powerpoint/2010/main">
+    <mc:Choice Requires="p14">
+      <p:transition spd="med" p14:dur="700">
+        <p:fade/>
+      </p:transition>
+    </mc:Choice>
+    <mc:Fallback xmlns="">
+      <p:transition spd="med">
+        <p:fade/>
+      </p:transition>
+    </mc:Fallback>
+  </mc:AlternateContent>
 </p:sld>
 </file>
 
@@ -8185,6 +9506,26 @@
 </file>
 
 <file path=customXml/item1.xml><?xml version="1.0" encoding="utf-8"?>
+<p:properties xmlns:p="http://schemas.microsoft.com/office/2006/metadata/properties" xmlns:xsi="http://www.w3.org/2001/XMLSchema-instance" xmlns:pc="http://schemas.microsoft.com/office/infopath/2007/PartnerControls">
+  <documentManagement>
+    <VSO_x0020_item_x0020_id xmlns="40262f94-9f35-4ac3-9a90-690165a166b7" xsi:nil="true"/>
+    <Assetid_x0020_ xmlns="40262f94-9f35-4ac3-9a90-690165a166b7" xsi:nil="true"/>
+    <Item_x0020_Details xmlns="40262f94-9f35-4ac3-9a90-690165a166b7" xsi:nil="true"/>
+    <Template_x0020_details xmlns="40262f94-9f35-4ac3-9a90-690165a166b7" xsi:nil="true"/>
+  </documentManagement>
+</p:properties>
+</file>
+
+<file path=customXml/item2.xml><?xml version="1.0" encoding="utf-8"?>
+<?mso-contentType ?>
+<FormTemplates xmlns="http://schemas.microsoft.com/sharepoint/v3/contenttype/forms">
+  <Display>DocumentLibraryForm</Display>
+  <Edit>DocumentLibraryForm</Edit>
+  <New>DocumentLibraryForm</New>
+</FormTemplates>
+</file>
+
+<file path=customXml/item3.xml><?xml version="1.0" encoding="utf-8"?>
 <ct:contentTypeSchema xmlns:ct="http://schemas.microsoft.com/office/2006/metadata/contentType" xmlns:ma="http://schemas.microsoft.com/office/2006/metadata/properties/metaAttributes" ct:_="" ma:_="" ma:contentTypeName="Document" ma:contentTypeID="0x010100AA3F7D94069FF64A86F7DFF56D60E3BE" ma:contentTypeVersion="6" ma:contentTypeDescription="Create a new document." ma:contentTypeScope="" ma:versionID="c32302c77d4085ecf495bdddb7f5e889">
   <xsd:schema xmlns:xsd="http://www.w3.org/2001/XMLSchema" xmlns:xs="http://www.w3.org/2001/XMLSchema" xmlns:p="http://schemas.microsoft.com/office/2006/metadata/properties" xmlns:ns2="a4f35948-e619-41b3-aa29-22878b09cfd2" xmlns:ns3="40262f94-9f35-4ac3-9a90-690165a166b7" targetNamespace="http://schemas.microsoft.com/office/2006/metadata/properties" ma:root="true" ma:fieldsID="4ab5ae46be95f9d0be6107e8200be7a2" ns2:_="" ns3:_="">
     <xsd:import namespace="a4f35948-e619-41b3-aa29-22878b09cfd2"/>
@@ -8365,27 +9706,32 @@
 </ct:contentTypeSchema>
 </file>
 
-<file path=customXml/item2.xml><?xml version="1.0" encoding="utf-8"?>
-<?mso-contentType ?>
-<FormTemplates xmlns="http://schemas.microsoft.com/sharepoint/v3/contenttype/forms">
-  <Display>DocumentLibraryForm</Display>
-  <Edit>DocumentLibraryForm</Edit>
-  <New>DocumentLibraryForm</New>
-</FormTemplates>
+<file path=customXml/itemProps1.xml><?xml version="1.0" encoding="utf-8"?>
+<ds:datastoreItem xmlns:ds="http://schemas.openxmlformats.org/officeDocument/2006/customXml" ds:itemID="{3FFF1070-8794-47AC-90B7-1F2E078096FF}">
+  <ds:schemaRefs>
+    <ds:schemaRef ds:uri="http://schemas.microsoft.com/office/infopath/2007/PartnerControls"/>
+    <ds:schemaRef ds:uri="a4f35948-e619-41b3-aa29-22878b09cfd2"/>
+    <ds:schemaRef ds:uri="http://purl.org/dc/terms/"/>
+    <ds:schemaRef ds:uri="http://schemas.openxmlformats.org/package/2006/metadata/core-properties"/>
+    <ds:schemaRef ds:uri="http://www.w3.org/XML/1998/namespace"/>
+    <ds:schemaRef ds:uri="http://schemas.microsoft.com/office/2006/metadata/properties"/>
+    <ds:schemaRef ds:uri="http://purl.org/dc/elements/1.1/"/>
+    <ds:schemaRef ds:uri="40262f94-9f35-4ac3-9a90-690165a166b7"/>
+    <ds:schemaRef ds:uri="http://schemas.microsoft.com/office/2006/documentManagement/types"/>
+    <ds:schemaRef ds:uri="http://purl.org/dc/dcmitype/"/>
+  </ds:schemaRefs>
+</ds:datastoreItem>
 </file>
 
-<file path=customXml/item3.xml><?xml version="1.0" encoding="utf-8"?>
-<p:properties xmlns:p="http://schemas.microsoft.com/office/2006/metadata/properties" xmlns:xsi="http://www.w3.org/2001/XMLSchema-instance" xmlns:pc="http://schemas.microsoft.com/office/infopath/2007/PartnerControls">
-  <documentManagement>
-    <VSO_x0020_item_x0020_id xmlns="40262f94-9f35-4ac3-9a90-690165a166b7" xsi:nil="true"/>
-    <Assetid_x0020_ xmlns="40262f94-9f35-4ac3-9a90-690165a166b7" xsi:nil="true"/>
-    <Item_x0020_Details xmlns="40262f94-9f35-4ac3-9a90-690165a166b7" xsi:nil="true"/>
-    <Template_x0020_details xmlns="40262f94-9f35-4ac3-9a90-690165a166b7" xsi:nil="true"/>
-  </documentManagement>
-</p:properties>
+<file path=customXml/itemProps2.xml><?xml version="1.0" encoding="utf-8"?>
+<ds:datastoreItem xmlns:ds="http://schemas.openxmlformats.org/officeDocument/2006/customXml" ds:itemID="{653E1689-1E09-4ADC-A5E7-6718BF79A8A6}">
+  <ds:schemaRefs>
+    <ds:schemaRef ds:uri="http://schemas.microsoft.com/sharepoint/v3/contenttype/forms"/>
+  </ds:schemaRefs>
+</ds:datastoreItem>
 </file>
 
-<file path=customXml/itemProps1.xml><?xml version="1.0" encoding="utf-8"?>
+<file path=customXml/itemProps3.xml><?xml version="1.0" encoding="utf-8"?>
 <ds:datastoreItem xmlns:ds="http://schemas.openxmlformats.org/officeDocument/2006/customXml" ds:itemID="{7CB30B94-6D3B-4C91-947C-5EB8E8EFFE4F}">
   <ds:schemaRefs>
     <ds:schemaRef ds:uri="http://schemas.microsoft.com/office/2006/metadata/contentType"/>
@@ -8402,29 +9748,4 @@
     <ds:schemaRef ds:uri="http://schemas.microsoft.com/internal/obd"/>
   </ds:schemaRefs>
 </ds:datastoreItem>
-</file>
-
-<file path=customXml/itemProps2.xml><?xml version="1.0" encoding="utf-8"?>
-<ds:datastoreItem xmlns:ds="http://schemas.openxmlformats.org/officeDocument/2006/customXml" ds:itemID="{653E1689-1E09-4ADC-A5E7-6718BF79A8A6}">
-  <ds:schemaRefs>
-    <ds:schemaRef ds:uri="http://schemas.microsoft.com/sharepoint/v3/contenttype/forms"/>
-  </ds:schemaRefs>
-</ds:datastoreItem>
-</file>
-
-<file path=customXml/itemProps3.xml><?xml version="1.0" encoding="utf-8"?>
-<ds:datastoreItem xmlns:ds="http://schemas.openxmlformats.org/officeDocument/2006/customXml" ds:itemID="{3FFF1070-8794-47AC-90B7-1F2E078096FF}">
-  <ds:schemaRefs>
-    <ds:schemaRef ds:uri="http://schemas.microsoft.com/office/infopath/2007/PartnerControls"/>
-    <ds:schemaRef ds:uri="a4f35948-e619-41b3-aa29-22878b09cfd2"/>
-    <ds:schemaRef ds:uri="http://purl.org/dc/terms/"/>
-    <ds:schemaRef ds:uri="http://schemas.openxmlformats.org/package/2006/metadata/core-properties"/>
-    <ds:schemaRef ds:uri="http://www.w3.org/XML/1998/namespace"/>
-    <ds:schemaRef ds:uri="http://schemas.microsoft.com/office/2006/metadata/properties"/>
-    <ds:schemaRef ds:uri="http://purl.org/dc/elements/1.1/"/>
-    <ds:schemaRef ds:uri="40262f94-9f35-4ac3-9a90-690165a166b7"/>
-    <ds:schemaRef ds:uri="http://schemas.microsoft.com/office/2006/documentManagement/types"/>
-    <ds:schemaRef ds:uri="http://purl.org/dc/dcmitype/"/>
-  </ds:schemaRefs>
-</ds:datastoreItem>
 </file>
--- a/HW3/機器學習需求文件.pptx
+++ b/HW3/機器學習需求文件.pptx
@@ -293,7 +293,7 @@
                 <a:latin typeface="細明體" panose="02020509000000000000" pitchFamily="49" charset="-120"/>
                 <a:ea typeface="細明體" panose="02020509000000000000" pitchFamily="49" charset="-120"/>
               </a:rPr>
-              <a:t>2019年10月13日</a:t>
+              <a:t>2019年10月16日</a:t>
             </a:fld>
             <a:endParaRPr dirty="0">
               <a:latin typeface="細明體" panose="02020509000000000000" pitchFamily="49" charset="-120"/>
@@ -479,7 +479,7 @@
             <a:fld id="{A0AFF6A3-05A2-43C9-BAC6-E7F777C40D60}" type="datetime2">
               <a:rPr lang="zh-TW" altLang="en-US" smtClean="0"/>
               <a:pPr/>
-              <a:t>2019年10月13日</a:t>
+              <a:t>2019年10月16日</a:t>
             </a:fld>
             <a:endParaRPr lang="zh-TW" altLang="en-US" dirty="0"/>
           </a:p>
@@ -1610,7 +1610,7 @@
             <a:fld id="{DF1CA1B2-0B65-48FF-A4EF-D52F44E0BC0E}" type="datetime2">
               <a:rPr lang="zh-TW" altLang="en-US" smtClean="0"/>
               <a:pPr/>
-              <a:t>2019年10月13日</a:t>
+              <a:t>2019年10月16日</a:t>
             </a:fld>
             <a:endParaRPr lang="en-US" dirty="0"/>
           </a:p>
@@ -1809,7 +1809,7 @@
             <a:fld id="{B690557D-BF90-4EAC-8435-FD0F2293EA9D}" type="datetime2">
               <a:rPr lang="zh-TW" altLang="en-US" smtClean="0"/>
               <a:pPr/>
-              <a:t>2019年10月13日</a:t>
+              <a:t>2019年10月16日</a:t>
             </a:fld>
             <a:endParaRPr lang="en-US" dirty="0"/>
           </a:p>
@@ -2013,7 +2013,7 @@
             <a:fld id="{3A06F219-A01D-46C2-AB8F-66850193113A}" type="datetime2">
               <a:rPr lang="zh-TW" altLang="en-US" smtClean="0"/>
               <a:pPr/>
-              <a:t>2019年10月13日</a:t>
+              <a:t>2019年10月16日</a:t>
             </a:fld>
             <a:endParaRPr lang="en-US" dirty="0"/>
           </a:p>
@@ -2207,7 +2207,7 @@
             <a:fld id="{C7B8F7E0-475E-4A4F-B251-AF4D4B9F823E}" type="datetime2">
               <a:rPr lang="zh-TW" altLang="en-US" smtClean="0"/>
               <a:pPr/>
-              <a:t>2019年10月13日</a:t>
+              <a:t>2019年10月16日</a:t>
             </a:fld>
             <a:endParaRPr lang="en-US" dirty="0"/>
           </a:p>
@@ -2485,7 +2485,7 @@
             <a:fld id="{FCD96140-6517-4429-8245-8048EFFD722F}" type="datetime2">
               <a:rPr lang="zh-TW" altLang="en-US" smtClean="0"/>
               <a:pPr/>
-              <a:t>2019年10月13日</a:t>
+              <a:t>2019年10月16日</a:t>
             </a:fld>
             <a:endParaRPr lang="en-US" dirty="0"/>
           </a:p>
@@ -2801,7 +2801,7 @@
             <a:fld id="{4A214E14-FC91-4A98-BE2C-45A91C87CABA}" type="datetime2">
               <a:rPr lang="zh-TW" altLang="en-US" smtClean="0"/>
               <a:pPr/>
-              <a:t>2019年10月13日</a:t>
+              <a:t>2019年10月16日</a:t>
             </a:fld>
             <a:endParaRPr lang="en-US" dirty="0"/>
           </a:p>
@@ -3266,7 +3266,7 @@
             <a:fld id="{0290FCD0-1450-4EF5-9EB6-93838DB68598}" type="datetime2">
               <a:rPr lang="zh-TW" altLang="en-US" smtClean="0"/>
               <a:pPr/>
-              <a:t>2019年10月13日</a:t>
+              <a:t>2019年10月16日</a:t>
             </a:fld>
             <a:endParaRPr lang="en-US" dirty="0"/>
           </a:p>
@@ -3408,7 +3408,7 @@
             <a:fld id="{73F19C76-1DF4-4157-8E83-99CDD7C5813A}" type="datetime2">
               <a:rPr lang="zh-TW" altLang="en-US" smtClean="0"/>
               <a:pPr/>
-              <a:t>2019年10月13日</a:t>
+              <a:t>2019年10月16日</a:t>
             </a:fld>
             <a:endParaRPr lang="en-US" dirty="0"/>
           </a:p>
@@ -3526,7 +3526,7 @@
             <a:fld id="{D40150BE-B45A-4071-8F2D-10F115658B39}" type="datetime2">
               <a:rPr lang="zh-TW" altLang="en-US" smtClean="0"/>
               <a:pPr/>
-              <a:t>2019年10月13日</a:t>
+              <a:t>2019年10月16日</a:t>
             </a:fld>
             <a:endParaRPr lang="en-US" dirty="0"/>
           </a:p>
@@ -3849,7 +3849,7 @@
             <a:fld id="{EDB22753-B0A9-4CCB-8874-8C3403729D00}" type="datetime2">
               <a:rPr lang="zh-TW" altLang="en-US" smtClean="0"/>
               <a:pPr/>
-              <a:t>2019年10月13日</a:t>
+              <a:t>2019年10月16日</a:t>
             </a:fld>
             <a:endParaRPr lang="en-US" dirty="0"/>
           </a:p>
@@ -4336,7 +4336,7 @@
             <a:fld id="{BD8E3081-8997-4FCC-AA9C-554AF3E1C629}" type="datetime2">
               <a:rPr lang="zh-TW" altLang="en-US" smtClean="0"/>
               <a:pPr/>
-              <a:t>2019年10月13日</a:t>
+              <a:t>2019年10月16日</a:t>
             </a:fld>
             <a:endParaRPr lang="en-US" dirty="0"/>
           </a:p>
@@ -5047,7 +5047,7 @@
         <p:spPr>
           <a:xfrm>
             <a:off x="4401926" y="1700808"/>
-            <a:ext cx="1928413" cy="461665"/>
+            <a:ext cx="2013372" cy="461665"/>
           </a:xfrm>
           <a:prstGeom prst="rect">
             <a:avLst/>
@@ -5065,6 +5065,17 @@
           <a:p>
             <a:pPr marL="45720"/>
             <a:r>
+              <a:rPr lang="en-US" altLang="zh-TW" sz="2400" smtClean="0">
+                <a:solidFill>
+                  <a:srgbClr val="00B050"/>
+                </a:solidFill>
+                <a:latin typeface="Times New Roman" panose="02020603050405020304" pitchFamily="18" charset="0"/>
+                <a:ea typeface="標楷體" panose="03000509000000000000" pitchFamily="65" charset="-120"/>
+                <a:cs typeface="Times New Roman" panose="02020603050405020304" pitchFamily="18" charset="0"/>
+              </a:rPr>
+              <a:t>All </a:t>
+            </a:r>
+            <a:r>
               <a:rPr lang="en-US" altLang="zh-TW" sz="2400" dirty="0" smtClean="0">
                 <a:solidFill>
                   <a:srgbClr val="00B050"/>
@@ -5073,7 +5084,7 @@
                 <a:ea typeface="標楷體" panose="03000509000000000000" pitchFamily="65" charset="-120"/>
                 <a:cs typeface="Times New Roman" panose="02020603050405020304" pitchFamily="18" charset="0"/>
               </a:rPr>
-              <a:t>Al .pickle file</a:t>
+              <a:t>.pickle file</a:t>
             </a:r>
             <a:endParaRPr lang="en-US" altLang="zh-TW" sz="2400" dirty="0">
               <a:solidFill>
@@ -5348,18 +5359,7 @@
                 <a:ea typeface="標楷體" panose="03000509000000000000" pitchFamily="65" charset="-120"/>
                 <a:cs typeface="Times New Roman" panose="02020603050405020304" pitchFamily="18" charset="0"/>
               </a:rPr>
-              <a:t>All</a:t>
-            </a:r>
-            <a:r>
-              <a:rPr lang="en-US" altLang="zh-TW" sz="2400" dirty="0" smtClean="0">
-                <a:solidFill>
-                  <a:srgbClr val="00B050"/>
-                </a:solidFill>
-                <a:latin typeface="Times New Roman" panose="02020603050405020304" pitchFamily="18" charset="0"/>
-                <a:ea typeface="標楷體" panose="03000509000000000000" pitchFamily="65" charset="-120"/>
-                <a:cs typeface="Times New Roman" panose="02020603050405020304" pitchFamily="18" charset="0"/>
-              </a:rPr>
-              <a:t> .pickle file</a:t>
+              <a:t>All .pickle file</a:t>
             </a:r>
             <a:endParaRPr lang="en-US" altLang="zh-TW" sz="2400" dirty="0">
               <a:solidFill>
@@ -5645,18 +5645,7 @@
                 <a:ea typeface="標楷體" panose="03000509000000000000" pitchFamily="65" charset="-120"/>
                 <a:cs typeface="Times New Roman" panose="02020603050405020304" pitchFamily="18" charset="0"/>
               </a:rPr>
-              <a:t>All</a:t>
-            </a:r>
-            <a:r>
-              <a:rPr lang="en-US" altLang="zh-TW" sz="2400" dirty="0" smtClean="0">
-                <a:solidFill>
-                  <a:srgbClr val="00B050"/>
-                </a:solidFill>
-                <a:latin typeface="Times New Roman" panose="02020603050405020304" pitchFamily="18" charset="0"/>
-                <a:ea typeface="標楷體" panose="03000509000000000000" pitchFamily="65" charset="-120"/>
-                <a:cs typeface="Times New Roman" panose="02020603050405020304" pitchFamily="18" charset="0"/>
-              </a:rPr>
-              <a:t> .pickle file</a:t>
+              <a:t>All .pickle file</a:t>
             </a:r>
             <a:endParaRPr lang="en-US" altLang="zh-TW" sz="2400" dirty="0">
               <a:solidFill>
@@ -9517,15 +9506,6 @@
 </file>
 
 <file path=customXml/item2.xml><?xml version="1.0" encoding="utf-8"?>
-<?mso-contentType ?>
-<FormTemplates xmlns="http://schemas.microsoft.com/sharepoint/v3/contenttype/forms">
-  <Display>DocumentLibraryForm</Display>
-  <Edit>DocumentLibraryForm</Edit>
-  <New>DocumentLibraryForm</New>
-</FormTemplates>
-</file>
-
-<file path=customXml/item3.xml><?xml version="1.0" encoding="utf-8"?>
 <ct:contentTypeSchema xmlns:ct="http://schemas.microsoft.com/office/2006/metadata/contentType" xmlns:ma="http://schemas.microsoft.com/office/2006/metadata/properties/metaAttributes" ct:_="" ma:_="" ma:contentTypeName="Document" ma:contentTypeID="0x010100AA3F7D94069FF64A86F7DFF56D60E3BE" ma:contentTypeVersion="6" ma:contentTypeDescription="Create a new document." ma:contentTypeScope="" ma:versionID="c32302c77d4085ecf495bdddb7f5e889">
   <xsd:schema xmlns:xsd="http://www.w3.org/2001/XMLSchema" xmlns:xs="http://www.w3.org/2001/XMLSchema" xmlns:p="http://schemas.microsoft.com/office/2006/metadata/properties" xmlns:ns2="a4f35948-e619-41b3-aa29-22878b09cfd2" xmlns:ns3="40262f94-9f35-4ac3-9a90-690165a166b7" targetNamespace="http://schemas.microsoft.com/office/2006/metadata/properties" ma:root="true" ma:fieldsID="4ab5ae46be95f9d0be6107e8200be7a2" ns2:_="" ns3:_="">
     <xsd:import namespace="a4f35948-e619-41b3-aa29-22878b09cfd2"/>
@@ -9706,6 +9686,15 @@
 </ct:contentTypeSchema>
 </file>
 
+<file path=customXml/item3.xml><?xml version="1.0" encoding="utf-8"?>
+<?mso-contentType ?>
+<FormTemplates xmlns="http://schemas.microsoft.com/sharepoint/v3/contenttype/forms">
+  <Display>DocumentLibraryForm</Display>
+  <Edit>DocumentLibraryForm</Edit>
+  <New>DocumentLibraryForm</New>
+</FormTemplates>
+</file>
+
 <file path=customXml/itemProps1.xml><?xml version="1.0" encoding="utf-8"?>
 <ds:datastoreItem xmlns:ds="http://schemas.openxmlformats.org/officeDocument/2006/customXml" ds:itemID="{3FFF1070-8794-47AC-90B7-1F2E078096FF}">
   <ds:schemaRefs>
@@ -9724,14 +9713,6 @@
 </file>
 
 <file path=customXml/itemProps2.xml><?xml version="1.0" encoding="utf-8"?>
-<ds:datastoreItem xmlns:ds="http://schemas.openxmlformats.org/officeDocument/2006/customXml" ds:itemID="{653E1689-1E09-4ADC-A5E7-6718BF79A8A6}">
-  <ds:schemaRefs>
-    <ds:schemaRef ds:uri="http://schemas.microsoft.com/sharepoint/v3/contenttype/forms"/>
-  </ds:schemaRefs>
-</ds:datastoreItem>
-</file>
-
-<file path=customXml/itemProps3.xml><?xml version="1.0" encoding="utf-8"?>
 <ds:datastoreItem xmlns:ds="http://schemas.openxmlformats.org/officeDocument/2006/customXml" ds:itemID="{7CB30B94-6D3B-4C91-947C-5EB8E8EFFE4F}">
   <ds:schemaRefs>
     <ds:schemaRef ds:uri="http://schemas.microsoft.com/office/2006/metadata/contentType"/>
@@ -9748,4 +9729,12 @@
     <ds:schemaRef ds:uri="http://schemas.microsoft.com/internal/obd"/>
   </ds:schemaRefs>
 </ds:datastoreItem>
+</file>
+
+<file path=customXml/itemProps3.xml><?xml version="1.0" encoding="utf-8"?>
+<ds:datastoreItem xmlns:ds="http://schemas.openxmlformats.org/officeDocument/2006/customXml" ds:itemID="{653E1689-1E09-4ADC-A5E7-6718BF79A8A6}">
+  <ds:schemaRefs>
+    <ds:schemaRef ds:uri="http://schemas.microsoft.com/sharepoint/v3/contenttype/forms"/>
+  </ds:schemaRefs>
+</ds:datastoreItem>
 </file>
--- a/HW3/機器學習需求文件.pptx
+++ b/HW3/機器學習需求文件.pptx
@@ -8623,6 +8623,146 @@
             <a:endParaRPr lang="en-US" altLang="zh-TW" sz="2400" dirty="0">
               <a:solidFill>
                 <a:srgbClr val="00B050"/>
+              </a:solidFill>
+              <a:latin typeface="Times New Roman" panose="02020603050405020304" pitchFamily="18" charset="0"/>
+              <a:ea typeface="標楷體" panose="03000509000000000000" pitchFamily="65" charset="-120"/>
+              <a:cs typeface="Times New Roman" panose="02020603050405020304" pitchFamily="18" charset="0"/>
+            </a:endParaRPr>
+          </a:p>
+        </p:txBody>
+      </p:sp>
+      <p:sp>
+        <p:nvSpPr>
+          <p:cNvPr id="5" name="文字方塊 4"/>
+          <p:cNvSpPr txBox="1"/>
+          <p:nvPr/>
+        </p:nvSpPr>
+        <p:spPr>
+          <a:xfrm>
+            <a:off x="6526460" y="5786735"/>
+            <a:ext cx="1308050" cy="461665"/>
+          </a:xfrm>
+          <a:prstGeom prst="rect">
+            <a:avLst/>
+          </a:prstGeom>
+          <a:noFill/>
+          <a:ln>
+            <a:noFill/>
+          </a:ln>
+        </p:spPr>
+        <p:txBody>
+          <a:bodyPr wrap="none" rtlCol="0" anchor="ctr" anchorCtr="1">
+            <a:spAutoFit/>
+          </a:bodyPr>
+          <a:lstStyle/>
+          <a:p>
+            <a:pPr marL="45720"/>
+            <a:r>
+              <a:rPr lang="zh-TW" altLang="en-US" sz="2400" dirty="0" smtClean="0">
+                <a:solidFill>
+                  <a:srgbClr val="FF0000"/>
+                </a:solidFill>
+                <a:latin typeface="Times New Roman" panose="02020603050405020304" pitchFamily="18" charset="0"/>
+                <a:ea typeface="標楷體" panose="03000509000000000000" pitchFamily="65" charset="-120"/>
+                <a:cs typeface="Times New Roman" panose="02020603050405020304" pitchFamily="18" charset="0"/>
+              </a:rPr>
+              <a:t>球</a:t>
+            </a:r>
+            <a:r>
+              <a:rPr lang="en-US" altLang="zh-TW" sz="2400" dirty="0" smtClean="0">
+                <a:solidFill>
+                  <a:srgbClr val="FF0000"/>
+                </a:solidFill>
+                <a:latin typeface="Times New Roman" panose="02020603050405020304" pitchFamily="18" charset="0"/>
+                <a:ea typeface="標楷體" panose="03000509000000000000" pitchFamily="65" charset="-120"/>
+                <a:cs typeface="Times New Roman" panose="02020603050405020304" pitchFamily="18" charset="0"/>
+              </a:rPr>
+              <a:t>x</a:t>
+            </a:r>
+            <a:r>
+              <a:rPr lang="zh-TW" altLang="en-US" sz="2400" dirty="0" smtClean="0">
+                <a:solidFill>
+                  <a:srgbClr val="FF0000"/>
+                </a:solidFill>
+                <a:latin typeface="Times New Roman" panose="02020603050405020304" pitchFamily="18" charset="0"/>
+                <a:ea typeface="標楷體" panose="03000509000000000000" pitchFamily="65" charset="-120"/>
+                <a:cs typeface="Times New Roman" panose="02020603050405020304" pitchFamily="18" charset="0"/>
+              </a:rPr>
+              <a:t>座標</a:t>
+            </a:r>
+            <a:endParaRPr lang="en-US" altLang="zh-TW" sz="2400" dirty="0">
+              <a:solidFill>
+                <a:srgbClr val="FF0000"/>
+              </a:solidFill>
+              <a:latin typeface="Times New Roman" panose="02020603050405020304" pitchFamily="18" charset="0"/>
+              <a:ea typeface="標楷體" panose="03000509000000000000" pitchFamily="65" charset="-120"/>
+              <a:cs typeface="Times New Roman" panose="02020603050405020304" pitchFamily="18" charset="0"/>
+            </a:endParaRPr>
+          </a:p>
+        </p:txBody>
+      </p:sp>
+      <p:sp>
+        <p:nvSpPr>
+          <p:cNvPr id="7" name="文字方塊 6"/>
+          <p:cNvSpPr txBox="1"/>
+          <p:nvPr/>
+        </p:nvSpPr>
+        <p:spPr>
+          <a:xfrm>
+            <a:off x="1629916" y="2165070"/>
+            <a:ext cx="1308050" cy="461665"/>
+          </a:xfrm>
+          <a:prstGeom prst="rect">
+            <a:avLst/>
+          </a:prstGeom>
+          <a:noFill/>
+          <a:ln>
+            <a:noFill/>
+          </a:ln>
+        </p:spPr>
+        <p:txBody>
+          <a:bodyPr wrap="none" rtlCol="0" anchor="ctr" anchorCtr="1">
+            <a:spAutoFit/>
+          </a:bodyPr>
+          <a:lstStyle/>
+          <a:p>
+            <a:pPr marL="45720"/>
+            <a:r>
+              <a:rPr lang="zh-TW" altLang="en-US" sz="2400" dirty="0" smtClean="0">
+                <a:solidFill>
+                  <a:srgbClr val="FF0000"/>
+                </a:solidFill>
+                <a:latin typeface="Times New Roman" panose="02020603050405020304" pitchFamily="18" charset="0"/>
+                <a:ea typeface="標楷體" panose="03000509000000000000" pitchFamily="65" charset="-120"/>
+                <a:cs typeface="Times New Roman" panose="02020603050405020304" pitchFamily="18" charset="0"/>
+              </a:rPr>
+              <a:t>球</a:t>
+            </a:r>
+            <a:r>
+              <a:rPr lang="en-US" altLang="zh-TW" sz="2400" dirty="0">
+                <a:solidFill>
+                  <a:srgbClr val="FF0000"/>
+                </a:solidFill>
+                <a:latin typeface="Times New Roman" panose="02020603050405020304" pitchFamily="18" charset="0"/>
+                <a:ea typeface="標楷體" panose="03000509000000000000" pitchFamily="65" charset="-120"/>
+                <a:cs typeface="Times New Roman" panose="02020603050405020304" pitchFamily="18" charset="0"/>
+              </a:rPr>
+              <a:t>y</a:t>
+            </a:r>
+            <a:r>
+              <a:rPr lang="zh-TW" altLang="en-US" sz="2400" dirty="0" smtClean="0">
+                <a:solidFill>
+                  <a:srgbClr val="FF0000"/>
+                </a:solidFill>
+                <a:latin typeface="Times New Roman" panose="02020603050405020304" pitchFamily="18" charset="0"/>
+                <a:ea typeface="標楷體" panose="03000509000000000000" pitchFamily="65" charset="-120"/>
+                <a:cs typeface="Times New Roman" panose="02020603050405020304" pitchFamily="18" charset="0"/>
+              </a:rPr>
+              <a:t>座標</a:t>
+            </a:r>
+            <a:endParaRPr lang="en-US" altLang="zh-TW" sz="2400" dirty="0">
+              <a:solidFill>
+                <a:srgbClr val="FF0000"/>
               </a:solidFill>
               <a:latin typeface="Times New Roman" panose="02020603050405020304" pitchFamily="18" charset="0"/>
               <a:ea typeface="標楷體" panose="03000509000000000000" pitchFamily="65" charset="-120"/>
@@ -9506,6 +9646,15 @@
 </file>
 
 <file path=customXml/item2.xml><?xml version="1.0" encoding="utf-8"?>
+<?mso-contentType ?>
+<FormTemplates xmlns="http://schemas.microsoft.com/sharepoint/v3/contenttype/forms">
+  <Display>DocumentLibraryForm</Display>
+  <Edit>DocumentLibraryForm</Edit>
+  <New>DocumentLibraryForm</New>
+</FormTemplates>
+</file>
+
+<file path=customXml/item3.xml><?xml version="1.0" encoding="utf-8"?>
 <ct:contentTypeSchema xmlns:ct="http://schemas.microsoft.com/office/2006/metadata/contentType" xmlns:ma="http://schemas.microsoft.com/office/2006/metadata/properties/metaAttributes" ct:_="" ma:_="" ma:contentTypeName="Document" ma:contentTypeID="0x010100AA3F7D94069FF64A86F7DFF56D60E3BE" ma:contentTypeVersion="6" ma:contentTypeDescription="Create a new document." ma:contentTypeScope="" ma:versionID="c32302c77d4085ecf495bdddb7f5e889">
   <xsd:schema xmlns:xsd="http://www.w3.org/2001/XMLSchema" xmlns:xs="http://www.w3.org/2001/XMLSchema" xmlns:p="http://schemas.microsoft.com/office/2006/metadata/properties" xmlns:ns2="a4f35948-e619-41b3-aa29-22878b09cfd2" xmlns:ns3="40262f94-9f35-4ac3-9a90-690165a166b7" targetNamespace="http://schemas.microsoft.com/office/2006/metadata/properties" ma:root="true" ma:fieldsID="4ab5ae46be95f9d0be6107e8200be7a2" ns2:_="" ns3:_="">
     <xsd:import namespace="a4f35948-e619-41b3-aa29-22878b09cfd2"/>
@@ -9686,15 +9835,6 @@
 </ct:contentTypeSchema>
 </file>
 
-<file path=customXml/item3.xml><?xml version="1.0" encoding="utf-8"?>
-<?mso-contentType ?>
-<FormTemplates xmlns="http://schemas.microsoft.com/sharepoint/v3/contenttype/forms">
-  <Display>DocumentLibraryForm</Display>
-  <Edit>DocumentLibraryForm</Edit>
-  <New>DocumentLibraryForm</New>
-</FormTemplates>
-</file>
-
 <file path=customXml/itemProps1.xml><?xml version="1.0" encoding="utf-8"?>
 <ds:datastoreItem xmlns:ds="http://schemas.openxmlformats.org/officeDocument/2006/customXml" ds:itemID="{3FFF1070-8794-47AC-90B7-1F2E078096FF}">
   <ds:schemaRefs>
@@ -9713,6 +9853,14 @@
 </file>
 
 <file path=customXml/itemProps2.xml><?xml version="1.0" encoding="utf-8"?>
+<ds:datastoreItem xmlns:ds="http://schemas.openxmlformats.org/officeDocument/2006/customXml" ds:itemID="{653E1689-1E09-4ADC-A5E7-6718BF79A8A6}">
+  <ds:schemaRefs>
+    <ds:schemaRef ds:uri="http://schemas.microsoft.com/sharepoint/v3/contenttype/forms"/>
+  </ds:schemaRefs>
+</ds:datastoreItem>
+</file>
+
+<file path=customXml/itemProps3.xml><?xml version="1.0" encoding="utf-8"?>
 <ds:datastoreItem xmlns:ds="http://schemas.openxmlformats.org/officeDocument/2006/customXml" ds:itemID="{7CB30B94-6D3B-4C91-947C-5EB8E8EFFE4F}">
   <ds:schemaRefs>
     <ds:schemaRef ds:uri="http://schemas.microsoft.com/office/2006/metadata/contentType"/>
@@ -9729,12 +9877,4 @@
     <ds:schemaRef ds:uri="http://schemas.microsoft.com/internal/obd"/>
   </ds:schemaRefs>
 </ds:datastoreItem>
-</file>
-
-<file path=customXml/itemProps3.xml><?xml version="1.0" encoding="utf-8"?>
-<ds:datastoreItem xmlns:ds="http://schemas.openxmlformats.org/officeDocument/2006/customXml" ds:itemID="{653E1689-1E09-4ADC-A5E7-6718BF79A8A6}">
-  <ds:schemaRefs>
-    <ds:schemaRef ds:uri="http://schemas.microsoft.com/sharepoint/v3/contenttype/forms"/>
-  </ds:schemaRefs>
-</ds:datastoreItem>
 </file>